--- a/220617 - IglooConf Summer 2022 @Helsinki/Implement a Serverless Data Analytics Strategy with Microsoft Azure.pptx
+++ b/220617 - IglooConf Summer 2022 @Helsinki/Implement a Serverless Data Analytics Strategy with Microsoft Azure.pptx
@@ -5,10 +5,10 @@
     <p:sldMasterId id="2147483660" r:id="rId4"/>
   </p:sldMasterIdLst>
   <p:notesMasterIdLst>
-    <p:notesMasterId r:id="rId21"/>
+    <p:notesMasterId r:id="rId22"/>
   </p:notesMasterIdLst>
   <p:handoutMasterIdLst>
-    <p:handoutMasterId r:id="rId22"/>
+    <p:handoutMasterId r:id="rId23"/>
   </p:handoutMasterIdLst>
   <p:sldIdLst>
     <p:sldId id="2076138160" r:id="rId5"/>
@@ -19,14 +19,15 @@
     <p:sldId id="261" r:id="rId10"/>
     <p:sldId id="262" r:id="rId11"/>
     <p:sldId id="264" r:id="rId12"/>
-    <p:sldId id="265" r:id="rId13"/>
-    <p:sldId id="266" r:id="rId14"/>
+    <p:sldId id="266" r:id="rId13"/>
+    <p:sldId id="268" r:id="rId14"/>
     <p:sldId id="267" r:id="rId15"/>
-    <p:sldId id="268" r:id="rId16"/>
-    <p:sldId id="269" r:id="rId17"/>
+    <p:sldId id="269" r:id="rId16"/>
+    <p:sldId id="2076138164" r:id="rId17"/>
     <p:sldId id="270" r:id="rId18"/>
-    <p:sldId id="2076138162" r:id="rId19"/>
-    <p:sldId id="2076138163" r:id="rId20"/>
+    <p:sldId id="2076138165" r:id="rId19"/>
+    <p:sldId id="2076138162" r:id="rId20"/>
+    <p:sldId id="2076138163" r:id="rId21"/>
   </p:sldIdLst>
   <p:sldSz cx="12192000" cy="6858000"/>
   <p:notesSz cx="6858000" cy="9144000"/>
@@ -142,12 +143,13 @@
             <p14:sldId id="261"/>
             <p14:sldId id="262"/>
             <p14:sldId id="264"/>
-            <p14:sldId id="265"/>
             <p14:sldId id="266"/>
+            <p14:sldId id="268"/>
             <p14:sldId id="267"/>
-            <p14:sldId id="268"/>
             <p14:sldId id="269"/>
+            <p14:sldId id="2076138164"/>
             <p14:sldId id="270"/>
+            <p14:sldId id="2076138165"/>
             <p14:sldId id="2076138162"/>
             <p14:sldId id="2076138163"/>
           </p14:sldIdLst>
@@ -989,6 +991,753 @@
 </file>
 
 <file path=ppt/diagrams/colors2.xml><?xml version="1.0" encoding="utf-8"?>
+<dgm:colorsDef xmlns:dgm="http://schemas.openxmlformats.org/drawingml/2006/diagram" xmlns:a="http://schemas.openxmlformats.org/drawingml/2006/main" uniqueId="urn:microsoft.com/office/officeart/2005/8/colors/accent1_2">
+  <dgm:title val=""/>
+  <dgm:desc val=""/>
+  <dgm:catLst>
+    <dgm:cat type="accent1" pri="11200"/>
+  </dgm:catLst>
+  <dgm:styleLbl name="node0">
+    <dgm:fillClrLst meth="repeat">
+      <a:schemeClr val="accent1"/>
+    </dgm:fillClrLst>
+    <dgm:linClrLst meth="repeat">
+      <a:schemeClr val="lt1"/>
+    </dgm:linClrLst>
+    <dgm:effectClrLst/>
+    <dgm:txLinClrLst/>
+    <dgm:txFillClrLst/>
+    <dgm:txEffectClrLst/>
+  </dgm:styleLbl>
+  <dgm:styleLbl name="alignNode1">
+    <dgm:fillClrLst meth="repeat">
+      <a:schemeClr val="accent1"/>
+    </dgm:fillClrLst>
+    <dgm:linClrLst meth="repeat">
+      <a:schemeClr val="accent1"/>
+    </dgm:linClrLst>
+    <dgm:effectClrLst/>
+    <dgm:txLinClrLst/>
+    <dgm:txFillClrLst/>
+    <dgm:txEffectClrLst/>
+  </dgm:styleLbl>
+  <dgm:styleLbl name="node1">
+    <dgm:fillClrLst meth="repeat">
+      <a:schemeClr val="accent1"/>
+    </dgm:fillClrLst>
+    <dgm:linClrLst meth="repeat">
+      <a:schemeClr val="lt1"/>
+    </dgm:linClrLst>
+    <dgm:effectClrLst/>
+    <dgm:txLinClrLst/>
+    <dgm:txFillClrLst/>
+    <dgm:txEffectClrLst/>
+  </dgm:styleLbl>
+  <dgm:styleLbl name="lnNode1">
+    <dgm:fillClrLst meth="repeat">
+      <a:schemeClr val="accent1"/>
+    </dgm:fillClrLst>
+    <dgm:linClrLst meth="repeat">
+      <a:schemeClr val="lt1"/>
+    </dgm:linClrLst>
+    <dgm:effectClrLst/>
+    <dgm:txLinClrLst/>
+    <dgm:txFillClrLst/>
+    <dgm:txEffectClrLst/>
+  </dgm:styleLbl>
+  <dgm:styleLbl name="vennNode1">
+    <dgm:fillClrLst meth="repeat">
+      <a:schemeClr val="accent1">
+        <a:alpha val="50000"/>
+      </a:schemeClr>
+    </dgm:fillClrLst>
+    <dgm:linClrLst meth="repeat">
+      <a:schemeClr val="lt1"/>
+    </dgm:linClrLst>
+    <dgm:effectClrLst/>
+    <dgm:txLinClrLst/>
+    <dgm:txFillClrLst/>
+    <dgm:txEffectClrLst/>
+  </dgm:styleLbl>
+  <dgm:styleLbl name="node2">
+    <dgm:fillClrLst meth="repeat">
+      <a:schemeClr val="accent1"/>
+    </dgm:fillClrLst>
+    <dgm:linClrLst meth="repeat">
+      <a:schemeClr val="lt1"/>
+    </dgm:linClrLst>
+    <dgm:effectClrLst/>
+    <dgm:txLinClrLst/>
+    <dgm:txFillClrLst/>
+    <dgm:txEffectClrLst/>
+  </dgm:styleLbl>
+  <dgm:styleLbl name="node3">
+    <dgm:fillClrLst meth="repeat">
+      <a:schemeClr val="accent1"/>
+    </dgm:fillClrLst>
+    <dgm:linClrLst meth="repeat">
+      <a:schemeClr val="lt1"/>
+    </dgm:linClrLst>
+    <dgm:effectClrLst/>
+    <dgm:txLinClrLst/>
+    <dgm:txFillClrLst/>
+    <dgm:txEffectClrLst/>
+  </dgm:styleLbl>
+  <dgm:styleLbl name="node4">
+    <dgm:fillClrLst meth="repeat">
+      <a:schemeClr val="accent1"/>
+    </dgm:fillClrLst>
+    <dgm:linClrLst meth="repeat">
+      <a:schemeClr val="lt1"/>
+    </dgm:linClrLst>
+    <dgm:effectClrLst/>
+    <dgm:txLinClrLst/>
+    <dgm:txFillClrLst/>
+    <dgm:txEffectClrLst/>
+  </dgm:styleLbl>
+  <dgm:styleLbl name="fgImgPlace1">
+    <dgm:fillClrLst meth="repeat">
+      <a:schemeClr val="accent1">
+        <a:tint val="50000"/>
+      </a:schemeClr>
+    </dgm:fillClrLst>
+    <dgm:linClrLst meth="repeat">
+      <a:schemeClr val="lt1"/>
+    </dgm:linClrLst>
+    <dgm:effectClrLst/>
+    <dgm:txLinClrLst/>
+    <dgm:txFillClrLst meth="repeat">
+      <a:schemeClr val="lt1"/>
+    </dgm:txFillClrLst>
+    <dgm:txEffectClrLst/>
+  </dgm:styleLbl>
+  <dgm:styleLbl name="alignImgPlace1">
+    <dgm:fillClrLst meth="repeat">
+      <a:schemeClr val="accent1">
+        <a:tint val="50000"/>
+      </a:schemeClr>
+    </dgm:fillClrLst>
+    <dgm:linClrLst meth="repeat">
+      <a:schemeClr val="lt1"/>
+    </dgm:linClrLst>
+    <dgm:effectClrLst/>
+    <dgm:txLinClrLst/>
+    <dgm:txFillClrLst meth="repeat">
+      <a:schemeClr val="lt1"/>
+    </dgm:txFillClrLst>
+    <dgm:txEffectClrLst/>
+  </dgm:styleLbl>
+  <dgm:styleLbl name="bgImgPlace1">
+    <dgm:fillClrLst meth="repeat">
+      <a:schemeClr val="accent1">
+        <a:tint val="50000"/>
+      </a:schemeClr>
+    </dgm:fillClrLst>
+    <dgm:linClrLst meth="repeat">
+      <a:schemeClr val="lt1"/>
+    </dgm:linClrLst>
+    <dgm:effectClrLst/>
+    <dgm:txLinClrLst/>
+    <dgm:txFillClrLst meth="repeat">
+      <a:schemeClr val="lt1"/>
+    </dgm:txFillClrLst>
+    <dgm:txEffectClrLst/>
+  </dgm:styleLbl>
+  <dgm:styleLbl name="sibTrans2D1">
+    <dgm:fillClrLst meth="repeat">
+      <a:schemeClr val="accent1">
+        <a:tint val="60000"/>
+      </a:schemeClr>
+    </dgm:fillClrLst>
+    <dgm:linClrLst meth="repeat">
+      <a:schemeClr val="accent1">
+        <a:tint val="60000"/>
+      </a:schemeClr>
+    </dgm:linClrLst>
+    <dgm:effectClrLst/>
+    <dgm:txLinClrLst/>
+    <dgm:txFillClrLst/>
+    <dgm:txEffectClrLst/>
+  </dgm:styleLbl>
+  <dgm:styleLbl name="fgSibTrans2D1">
+    <dgm:fillClrLst meth="repeat">
+      <a:schemeClr val="accent1">
+        <a:tint val="60000"/>
+      </a:schemeClr>
+    </dgm:fillClrLst>
+    <dgm:linClrLst meth="repeat">
+      <a:schemeClr val="accent1">
+        <a:tint val="60000"/>
+      </a:schemeClr>
+    </dgm:linClrLst>
+    <dgm:effectClrLst/>
+    <dgm:txLinClrLst/>
+    <dgm:txFillClrLst/>
+    <dgm:txEffectClrLst/>
+  </dgm:styleLbl>
+  <dgm:styleLbl name="bgSibTrans2D1">
+    <dgm:fillClrLst meth="repeat">
+      <a:schemeClr val="accent1">
+        <a:tint val="60000"/>
+      </a:schemeClr>
+    </dgm:fillClrLst>
+    <dgm:linClrLst meth="repeat">
+      <a:schemeClr val="accent1">
+        <a:tint val="60000"/>
+      </a:schemeClr>
+    </dgm:linClrLst>
+    <dgm:effectClrLst/>
+    <dgm:txLinClrLst/>
+    <dgm:txFillClrLst/>
+    <dgm:txEffectClrLst/>
+  </dgm:styleLbl>
+  <dgm:styleLbl name="sibTrans1D1">
+    <dgm:fillClrLst meth="repeat">
+      <a:schemeClr val="accent1"/>
+    </dgm:fillClrLst>
+    <dgm:linClrLst meth="repeat">
+      <a:schemeClr val="accent1"/>
+    </dgm:linClrLst>
+    <dgm:effectClrLst/>
+    <dgm:txLinClrLst/>
+    <dgm:txFillClrLst meth="repeat">
+      <a:schemeClr val="tx1"/>
+    </dgm:txFillClrLst>
+    <dgm:txEffectClrLst/>
+  </dgm:styleLbl>
+  <dgm:styleLbl name="callout">
+    <dgm:fillClrLst meth="repeat">
+      <a:schemeClr val="accent1"/>
+    </dgm:fillClrLst>
+    <dgm:linClrLst meth="repeat">
+      <a:schemeClr val="accent1">
+        <a:tint val="50000"/>
+      </a:schemeClr>
+    </dgm:linClrLst>
+    <dgm:effectClrLst/>
+    <dgm:txLinClrLst/>
+    <dgm:txFillClrLst meth="repeat">
+      <a:schemeClr val="tx1"/>
+    </dgm:txFillClrLst>
+    <dgm:txEffectClrLst/>
+  </dgm:styleLbl>
+  <dgm:styleLbl name="asst0">
+    <dgm:fillClrLst meth="repeat">
+      <a:schemeClr val="accent1"/>
+    </dgm:fillClrLst>
+    <dgm:linClrLst meth="repeat">
+      <a:schemeClr val="lt1"/>
+    </dgm:linClrLst>
+    <dgm:effectClrLst/>
+    <dgm:txLinClrLst/>
+    <dgm:txFillClrLst/>
+    <dgm:txEffectClrLst/>
+  </dgm:styleLbl>
+  <dgm:styleLbl name="asst1">
+    <dgm:fillClrLst meth="repeat">
+      <a:schemeClr val="accent1"/>
+    </dgm:fillClrLst>
+    <dgm:linClrLst meth="repeat">
+      <a:schemeClr val="lt1"/>
+    </dgm:linClrLst>
+    <dgm:effectClrLst/>
+    <dgm:txLinClrLst/>
+    <dgm:txFillClrLst/>
+    <dgm:txEffectClrLst/>
+  </dgm:styleLbl>
+  <dgm:styleLbl name="asst2">
+    <dgm:fillClrLst meth="repeat">
+      <a:schemeClr val="accent1"/>
+    </dgm:fillClrLst>
+    <dgm:linClrLst meth="repeat">
+      <a:schemeClr val="lt1"/>
+    </dgm:linClrLst>
+    <dgm:effectClrLst/>
+    <dgm:txLinClrLst/>
+    <dgm:txFillClrLst/>
+    <dgm:txEffectClrLst/>
+  </dgm:styleLbl>
+  <dgm:styleLbl name="asst3">
+    <dgm:fillClrLst meth="repeat">
+      <a:schemeClr val="accent1"/>
+    </dgm:fillClrLst>
+    <dgm:linClrLst meth="repeat">
+      <a:schemeClr val="lt1"/>
+    </dgm:linClrLst>
+    <dgm:effectClrLst/>
+    <dgm:txLinClrLst/>
+    <dgm:txFillClrLst/>
+    <dgm:txEffectClrLst/>
+  </dgm:styleLbl>
+  <dgm:styleLbl name="asst4">
+    <dgm:fillClrLst meth="repeat">
+      <a:schemeClr val="accent1"/>
+    </dgm:fillClrLst>
+    <dgm:linClrLst meth="repeat">
+      <a:schemeClr val="lt1"/>
+    </dgm:linClrLst>
+    <dgm:effectClrLst/>
+    <dgm:txLinClrLst/>
+    <dgm:txFillClrLst/>
+    <dgm:txEffectClrLst/>
+  </dgm:styleLbl>
+  <dgm:styleLbl name="parChTrans2D1">
+    <dgm:fillClrLst meth="repeat">
+      <a:schemeClr val="accent1">
+        <a:tint val="60000"/>
+      </a:schemeClr>
+    </dgm:fillClrLst>
+    <dgm:linClrLst meth="repeat">
+      <a:schemeClr val="accent1">
+        <a:tint val="60000"/>
+      </a:schemeClr>
+    </dgm:linClrLst>
+    <dgm:effectClrLst/>
+    <dgm:txLinClrLst/>
+    <dgm:txFillClrLst meth="repeat">
+      <a:schemeClr val="lt1"/>
+    </dgm:txFillClrLst>
+    <dgm:txEffectClrLst/>
+  </dgm:styleLbl>
+  <dgm:styleLbl name="parChTrans2D2">
+    <dgm:fillClrLst meth="repeat">
+      <a:schemeClr val="accent1"/>
+    </dgm:fillClrLst>
+    <dgm:linClrLst meth="repeat">
+      <a:schemeClr val="accent1"/>
+    </dgm:linClrLst>
+    <dgm:effectClrLst/>
+    <dgm:txLinClrLst/>
+    <dgm:txFillClrLst meth="repeat">
+      <a:schemeClr val="lt1"/>
+    </dgm:txFillClrLst>
+    <dgm:txEffectClrLst/>
+  </dgm:styleLbl>
+  <dgm:styleLbl name="parChTrans2D3">
+    <dgm:fillClrLst meth="repeat">
+      <a:schemeClr val="accent1"/>
+    </dgm:fillClrLst>
+    <dgm:linClrLst meth="repeat">
+      <a:schemeClr val="accent1"/>
+    </dgm:linClrLst>
+    <dgm:effectClrLst/>
+    <dgm:txLinClrLst/>
+    <dgm:txFillClrLst meth="repeat">
+      <a:schemeClr val="lt1"/>
+    </dgm:txFillClrLst>
+    <dgm:txEffectClrLst/>
+  </dgm:styleLbl>
+  <dgm:styleLbl name="parChTrans2D4">
+    <dgm:fillClrLst meth="repeat">
+      <a:schemeClr val="accent1"/>
+    </dgm:fillClrLst>
+    <dgm:linClrLst meth="repeat">
+      <a:schemeClr val="accent1"/>
+    </dgm:linClrLst>
+    <dgm:effectClrLst/>
+    <dgm:txLinClrLst/>
+    <dgm:txFillClrLst meth="repeat">
+      <a:schemeClr val="lt1"/>
+    </dgm:txFillClrLst>
+    <dgm:txEffectClrLst/>
+  </dgm:styleLbl>
+  <dgm:styleLbl name="parChTrans1D1">
+    <dgm:fillClrLst meth="repeat">
+      <a:schemeClr val="accent1"/>
+    </dgm:fillClrLst>
+    <dgm:linClrLst meth="repeat">
+      <a:schemeClr val="accent1">
+        <a:shade val="60000"/>
+      </a:schemeClr>
+    </dgm:linClrLst>
+    <dgm:effectClrLst/>
+    <dgm:txLinClrLst/>
+    <dgm:txFillClrLst meth="repeat">
+      <a:schemeClr val="tx1"/>
+    </dgm:txFillClrLst>
+    <dgm:txEffectClrLst/>
+  </dgm:styleLbl>
+  <dgm:styleLbl name="parChTrans1D2">
+    <dgm:fillClrLst meth="repeat">
+      <a:schemeClr val="accent1"/>
+    </dgm:fillClrLst>
+    <dgm:linClrLst meth="repeat">
+      <a:schemeClr val="accent1">
+        <a:shade val="60000"/>
+      </a:schemeClr>
+    </dgm:linClrLst>
+    <dgm:effectClrLst/>
+    <dgm:txLinClrLst/>
+    <dgm:txFillClrLst meth="repeat">
+      <a:schemeClr val="tx1"/>
+    </dgm:txFillClrLst>
+    <dgm:txEffectClrLst/>
+  </dgm:styleLbl>
+  <dgm:styleLbl name="parChTrans1D3">
+    <dgm:fillClrLst meth="repeat">
+      <a:schemeClr val="accent1"/>
+    </dgm:fillClrLst>
+    <dgm:linClrLst meth="repeat">
+      <a:schemeClr val="accent1">
+        <a:shade val="80000"/>
+      </a:schemeClr>
+    </dgm:linClrLst>
+    <dgm:effectClrLst/>
+    <dgm:txLinClrLst/>
+    <dgm:txFillClrLst meth="repeat">
+      <a:schemeClr val="tx1"/>
+    </dgm:txFillClrLst>
+    <dgm:txEffectClrLst/>
+  </dgm:styleLbl>
+  <dgm:styleLbl name="parChTrans1D4">
+    <dgm:fillClrLst meth="repeat">
+      <a:schemeClr val="accent1"/>
+    </dgm:fillClrLst>
+    <dgm:linClrLst meth="repeat">
+      <a:schemeClr val="accent1">
+        <a:shade val="80000"/>
+      </a:schemeClr>
+    </dgm:linClrLst>
+    <dgm:effectClrLst/>
+    <dgm:txLinClrLst/>
+    <dgm:txFillClrLst meth="repeat">
+      <a:schemeClr val="tx1"/>
+    </dgm:txFillClrLst>
+    <dgm:txEffectClrLst/>
+  </dgm:styleLbl>
+  <dgm:styleLbl name="fgAcc1">
+    <dgm:fillClrLst meth="repeat">
+      <a:schemeClr val="lt1">
+        <a:alpha val="90000"/>
+      </a:schemeClr>
+    </dgm:fillClrLst>
+    <dgm:linClrLst meth="repeat">
+      <a:schemeClr val="accent1"/>
+    </dgm:linClrLst>
+    <dgm:effectClrLst/>
+    <dgm:txLinClrLst/>
+    <dgm:txFillClrLst meth="repeat">
+      <a:schemeClr val="dk1"/>
+    </dgm:txFillClrLst>
+    <dgm:txEffectClrLst/>
+  </dgm:styleLbl>
+  <dgm:styleLbl name="conFgAcc1">
+    <dgm:fillClrLst meth="repeat">
+      <a:schemeClr val="lt1">
+        <a:alpha val="90000"/>
+      </a:schemeClr>
+    </dgm:fillClrLst>
+    <dgm:linClrLst meth="repeat">
+      <a:schemeClr val="accent1"/>
+    </dgm:linClrLst>
+    <dgm:effectClrLst/>
+    <dgm:txLinClrLst/>
+    <dgm:txFillClrLst meth="repeat">
+      <a:schemeClr val="dk1"/>
+    </dgm:txFillClrLst>
+    <dgm:txEffectClrLst/>
+  </dgm:styleLbl>
+  <dgm:styleLbl name="alignAcc1">
+    <dgm:fillClrLst meth="repeat">
+      <a:schemeClr val="lt1">
+        <a:alpha val="90000"/>
+      </a:schemeClr>
+    </dgm:fillClrLst>
+    <dgm:linClrLst meth="repeat">
+      <a:schemeClr val="accent1"/>
+    </dgm:linClrLst>
+    <dgm:effectClrLst/>
+    <dgm:txLinClrLst/>
+    <dgm:txFillClrLst meth="repeat">
+      <a:schemeClr val="dk1"/>
+    </dgm:txFillClrLst>
+    <dgm:txEffectClrLst/>
+  </dgm:styleLbl>
+  <dgm:styleLbl name="trAlignAcc1">
+    <dgm:fillClrLst meth="repeat">
+      <a:schemeClr val="lt1">
+        <a:alpha val="40000"/>
+      </a:schemeClr>
+    </dgm:fillClrLst>
+    <dgm:linClrLst meth="repeat">
+      <a:schemeClr val="accent1"/>
+    </dgm:linClrLst>
+    <dgm:effectClrLst/>
+    <dgm:txLinClrLst/>
+    <dgm:txFillClrLst meth="repeat">
+      <a:schemeClr val="dk1"/>
+    </dgm:txFillClrLst>
+    <dgm:txEffectClrLst/>
+  </dgm:styleLbl>
+  <dgm:styleLbl name="bgAcc1">
+    <dgm:fillClrLst meth="repeat">
+      <a:schemeClr val="lt1">
+        <a:alpha val="90000"/>
+      </a:schemeClr>
+    </dgm:fillClrLst>
+    <dgm:linClrLst meth="repeat">
+      <a:schemeClr val="accent1"/>
+    </dgm:linClrLst>
+    <dgm:effectClrLst/>
+    <dgm:txLinClrLst/>
+    <dgm:txFillClrLst meth="repeat">
+      <a:schemeClr val="dk1"/>
+    </dgm:txFillClrLst>
+    <dgm:txEffectClrLst/>
+  </dgm:styleLbl>
+  <dgm:styleLbl name="solidFgAcc1">
+    <dgm:fillClrLst meth="repeat">
+      <a:schemeClr val="lt1"/>
+    </dgm:fillClrLst>
+    <dgm:linClrLst meth="repeat">
+      <a:schemeClr val="accent1"/>
+    </dgm:linClrLst>
+    <dgm:effectClrLst/>
+    <dgm:txLinClrLst/>
+    <dgm:txFillClrLst meth="repeat">
+      <a:schemeClr val="dk1"/>
+    </dgm:txFillClrLst>
+    <dgm:txEffectClrLst/>
+  </dgm:styleLbl>
+  <dgm:styleLbl name="solidAlignAcc1">
+    <dgm:fillClrLst meth="repeat">
+      <a:schemeClr val="lt1"/>
+    </dgm:fillClrLst>
+    <dgm:linClrLst meth="repeat">
+      <a:schemeClr val="accent1"/>
+    </dgm:linClrLst>
+    <dgm:effectClrLst/>
+    <dgm:txLinClrLst/>
+    <dgm:txFillClrLst meth="repeat">
+      <a:schemeClr val="dk1"/>
+    </dgm:txFillClrLst>
+    <dgm:txEffectClrLst/>
+  </dgm:styleLbl>
+  <dgm:styleLbl name="solidBgAcc1">
+    <dgm:fillClrLst meth="repeat">
+      <a:schemeClr val="lt1"/>
+    </dgm:fillClrLst>
+    <dgm:linClrLst meth="repeat">
+      <a:schemeClr val="accent1"/>
+    </dgm:linClrLst>
+    <dgm:effectClrLst/>
+    <dgm:txLinClrLst/>
+    <dgm:txFillClrLst meth="repeat">
+      <a:schemeClr val="dk1"/>
+    </dgm:txFillClrLst>
+    <dgm:txEffectClrLst/>
+  </dgm:styleLbl>
+  <dgm:styleLbl name="fgAccFollowNode1">
+    <dgm:fillClrLst meth="repeat">
+      <a:schemeClr val="accent1">
+        <a:alpha val="90000"/>
+        <a:tint val="40000"/>
+      </a:schemeClr>
+    </dgm:fillClrLst>
+    <dgm:linClrLst meth="repeat">
+      <a:schemeClr val="accent1">
+        <a:alpha val="90000"/>
+        <a:tint val="40000"/>
+      </a:schemeClr>
+    </dgm:linClrLst>
+    <dgm:effectClrLst/>
+    <dgm:txLinClrLst/>
+    <dgm:txFillClrLst meth="repeat">
+      <a:schemeClr val="dk1"/>
+    </dgm:txFillClrLst>
+    <dgm:txEffectClrLst/>
+  </dgm:styleLbl>
+  <dgm:styleLbl name="alignAccFollowNode1">
+    <dgm:fillClrLst meth="repeat">
+      <a:schemeClr val="accent1">
+        <a:alpha val="90000"/>
+        <a:tint val="40000"/>
+      </a:schemeClr>
+    </dgm:fillClrLst>
+    <dgm:linClrLst meth="repeat">
+      <a:schemeClr val="accent1">
+        <a:alpha val="90000"/>
+        <a:tint val="40000"/>
+      </a:schemeClr>
+    </dgm:linClrLst>
+    <dgm:effectClrLst/>
+    <dgm:txLinClrLst/>
+    <dgm:txFillClrLst meth="repeat">
+      <a:schemeClr val="dk1"/>
+    </dgm:txFillClrLst>
+    <dgm:txEffectClrLst/>
+  </dgm:styleLbl>
+  <dgm:styleLbl name="bgAccFollowNode1">
+    <dgm:fillClrLst meth="repeat">
+      <a:schemeClr val="accent1">
+        <a:alpha val="90000"/>
+        <a:tint val="40000"/>
+      </a:schemeClr>
+    </dgm:fillClrLst>
+    <dgm:linClrLst meth="repeat">
+      <a:schemeClr val="accent1">
+        <a:alpha val="90000"/>
+        <a:tint val="40000"/>
+      </a:schemeClr>
+    </dgm:linClrLst>
+    <dgm:effectClrLst/>
+    <dgm:txLinClrLst/>
+    <dgm:txFillClrLst meth="repeat">
+      <a:schemeClr val="dk1"/>
+    </dgm:txFillClrLst>
+    <dgm:txEffectClrLst/>
+  </dgm:styleLbl>
+  <dgm:styleLbl name="fgAcc0">
+    <dgm:fillClrLst meth="repeat">
+      <a:schemeClr val="lt1">
+        <a:alpha val="90000"/>
+      </a:schemeClr>
+    </dgm:fillClrLst>
+    <dgm:linClrLst meth="repeat">
+      <a:schemeClr val="accent1"/>
+    </dgm:linClrLst>
+    <dgm:effectClrLst/>
+    <dgm:txLinClrLst/>
+    <dgm:txFillClrLst meth="repeat">
+      <a:schemeClr val="dk1"/>
+    </dgm:txFillClrLst>
+    <dgm:txEffectClrLst/>
+  </dgm:styleLbl>
+  <dgm:styleLbl name="fgAcc2">
+    <dgm:fillClrLst meth="repeat">
+      <a:schemeClr val="lt1">
+        <a:alpha val="90000"/>
+      </a:schemeClr>
+    </dgm:fillClrLst>
+    <dgm:linClrLst meth="repeat">
+      <a:schemeClr val="accent1"/>
+    </dgm:linClrLst>
+    <dgm:effectClrLst/>
+    <dgm:txLinClrLst/>
+    <dgm:txFillClrLst meth="repeat">
+      <a:schemeClr val="dk1"/>
+    </dgm:txFillClrLst>
+    <dgm:txEffectClrLst/>
+  </dgm:styleLbl>
+  <dgm:styleLbl name="fgAcc3">
+    <dgm:fillClrLst meth="repeat">
+      <a:schemeClr val="lt1">
+        <a:alpha val="90000"/>
+      </a:schemeClr>
+    </dgm:fillClrLst>
+    <dgm:linClrLst meth="repeat">
+      <a:schemeClr val="accent1"/>
+    </dgm:linClrLst>
+    <dgm:effectClrLst/>
+    <dgm:txLinClrLst/>
+    <dgm:txFillClrLst meth="repeat">
+      <a:schemeClr val="dk1"/>
+    </dgm:txFillClrLst>
+    <dgm:txEffectClrLst/>
+  </dgm:styleLbl>
+  <dgm:styleLbl name="fgAcc4">
+    <dgm:fillClrLst meth="repeat">
+      <a:schemeClr val="lt1">
+        <a:alpha val="90000"/>
+      </a:schemeClr>
+    </dgm:fillClrLst>
+    <dgm:linClrLst meth="repeat">
+      <a:schemeClr val="accent1"/>
+    </dgm:linClrLst>
+    <dgm:effectClrLst/>
+    <dgm:txLinClrLst/>
+    <dgm:txFillClrLst meth="repeat">
+      <a:schemeClr val="dk1"/>
+    </dgm:txFillClrLst>
+    <dgm:txEffectClrLst/>
+  </dgm:styleLbl>
+  <dgm:styleLbl name="bgShp">
+    <dgm:fillClrLst meth="repeat">
+      <a:schemeClr val="accent1">
+        <a:tint val="40000"/>
+      </a:schemeClr>
+    </dgm:fillClrLst>
+    <dgm:linClrLst meth="repeat">
+      <a:schemeClr val="accent1"/>
+    </dgm:linClrLst>
+    <dgm:effectClrLst/>
+    <dgm:txLinClrLst/>
+    <dgm:txFillClrLst meth="repeat">
+      <a:schemeClr val="dk1"/>
+    </dgm:txFillClrLst>
+    <dgm:txEffectClrLst/>
+  </dgm:styleLbl>
+  <dgm:styleLbl name="dkBgShp">
+    <dgm:fillClrLst meth="repeat">
+      <a:schemeClr val="accent1">
+        <a:shade val="80000"/>
+      </a:schemeClr>
+    </dgm:fillClrLst>
+    <dgm:linClrLst meth="repeat">
+      <a:schemeClr val="accent1"/>
+    </dgm:linClrLst>
+    <dgm:effectClrLst/>
+    <dgm:txLinClrLst/>
+    <dgm:txFillClrLst meth="repeat">
+      <a:schemeClr val="lt1"/>
+    </dgm:txFillClrLst>
+    <dgm:txEffectClrLst/>
+  </dgm:styleLbl>
+  <dgm:styleLbl name="trBgShp">
+    <dgm:fillClrLst meth="repeat">
+      <a:schemeClr val="accent1">
+        <a:tint val="50000"/>
+        <a:alpha val="40000"/>
+      </a:schemeClr>
+    </dgm:fillClrLst>
+    <dgm:linClrLst meth="repeat">
+      <a:schemeClr val="accent1"/>
+    </dgm:linClrLst>
+    <dgm:effectClrLst/>
+    <dgm:txLinClrLst/>
+    <dgm:txFillClrLst meth="repeat">
+      <a:schemeClr val="lt1"/>
+    </dgm:txFillClrLst>
+    <dgm:txEffectClrLst/>
+  </dgm:styleLbl>
+  <dgm:styleLbl name="fgShp">
+    <dgm:fillClrLst meth="repeat">
+      <a:schemeClr val="accent1">
+        <a:tint val="60000"/>
+      </a:schemeClr>
+    </dgm:fillClrLst>
+    <dgm:linClrLst meth="repeat">
+      <a:schemeClr val="lt1"/>
+    </dgm:linClrLst>
+    <dgm:effectClrLst/>
+    <dgm:txLinClrLst/>
+    <dgm:txFillClrLst meth="repeat">
+      <a:schemeClr val="dk1"/>
+    </dgm:txFillClrLst>
+    <dgm:txEffectClrLst/>
+  </dgm:styleLbl>
+  <dgm:styleLbl name="revTx">
+    <dgm:fillClrLst meth="repeat">
+      <a:schemeClr val="lt1">
+        <a:alpha val="0"/>
+      </a:schemeClr>
+    </dgm:fillClrLst>
+    <dgm:linClrLst meth="repeat">
+      <a:schemeClr val="dk1">
+        <a:alpha val="0"/>
+      </a:schemeClr>
+    </dgm:linClrLst>
+    <dgm:effectClrLst/>
+    <dgm:txLinClrLst/>
+    <dgm:txFillClrLst meth="repeat">
+      <a:schemeClr val="tx1"/>
+    </dgm:txFillClrLst>
+    <dgm:txEffectClrLst/>
+  </dgm:styleLbl>
+</dgm:colorsDef>
+</file>
+
+<file path=ppt/diagrams/colors3.xml><?xml version="1.0" encoding="utf-8"?>
 <dgm:colorsDef xmlns:dgm="http://schemas.openxmlformats.org/drawingml/2006/diagram" xmlns:a="http://schemas.openxmlformats.org/drawingml/2006/main" uniqueId="urn:microsoft.com/office/officeart/2005/8/colors/accent1_2">
   <dgm:title val=""/>
   <dgm:desc val=""/>
@@ -1832,7 +2581,7 @@
         <a:p>
           <a:r>
             <a:rPr lang="it-IT" dirty="0"/>
-            <a:t>A small dev/tech team in charge to build data stuff to do it</a:t>
+            <a:t>A small but amazing dev/tech team in charge to build data stuff to do it</a:t>
           </a:r>
         </a:p>
       </dgm:t>
@@ -2119,6 +2868,309 @@
 </file>
 
 <file path=ppt/diagrams/data2.xml><?xml version="1.0" encoding="utf-8"?>
+<dgm:dataModel xmlns:dgm="http://schemas.openxmlformats.org/drawingml/2006/diagram" xmlns:a="http://schemas.openxmlformats.org/drawingml/2006/main">
+  <dgm:ptLst>
+    <dgm:pt modelId="{F7BE7B60-6B9F-4C8B-9A8D-2845D43EB305}" type="doc">
+      <dgm:prSet loTypeId="urn:microsoft.com/office/officeart/2005/8/layout/hProcess11" loCatId="process" qsTypeId="urn:microsoft.com/office/officeart/2005/8/quickstyle/simple1" qsCatId="simple" csTypeId="urn:microsoft.com/office/officeart/2005/8/colors/accent1_2" csCatId="accent1" phldr="1"/>
+      <dgm:spPr/>
+    </dgm:pt>
+    <dgm:pt modelId="{C0DF0B2F-0AC4-47D0-BE39-E547B628E0FD}">
+      <dgm:prSet phldrT="[Text]"/>
+      <dgm:spPr/>
+      <dgm:t>
+        <a:bodyPr/>
+        <a:lstStyle/>
+        <a:p>
+          <a:r>
+            <a:rPr lang="it-IT" dirty="0"/>
+            <a:t>App Service</a:t>
+          </a:r>
+        </a:p>
+      </dgm:t>
+    </dgm:pt>
+    <dgm:pt modelId="{CBACCB02-6051-44DF-BCB0-3469BF1EDDA3}" type="parTrans" cxnId="{B3EF7993-5453-477F-8DCC-68CD7CFD1736}">
+      <dgm:prSet/>
+      <dgm:spPr/>
+      <dgm:t>
+        <a:bodyPr/>
+        <a:lstStyle/>
+        <a:p>
+          <a:endParaRPr lang="it-IT"/>
+        </a:p>
+      </dgm:t>
+    </dgm:pt>
+    <dgm:pt modelId="{8DB8768F-B0B5-40B7-AB0D-EA3B07C52B7D}" type="sibTrans" cxnId="{B3EF7993-5453-477F-8DCC-68CD7CFD1736}">
+      <dgm:prSet/>
+      <dgm:spPr/>
+      <dgm:t>
+        <a:bodyPr/>
+        <a:lstStyle/>
+        <a:p>
+          <a:endParaRPr lang="it-IT"/>
+        </a:p>
+      </dgm:t>
+    </dgm:pt>
+    <dgm:pt modelId="{00616169-3D3A-469A-A604-B657382378F9}">
+      <dgm:prSet phldrT="[Text]"/>
+      <dgm:spPr/>
+      <dgm:t>
+        <a:bodyPr/>
+        <a:lstStyle/>
+        <a:p>
+          <a:r>
+            <a:rPr lang="it-IT" dirty="0"/>
+            <a:t>Batch</a:t>
+          </a:r>
+        </a:p>
+      </dgm:t>
+    </dgm:pt>
+    <dgm:pt modelId="{C5929B4F-A1BD-4368-8D2F-2962E09260B5}" type="parTrans" cxnId="{864B1D0B-91DB-4CF8-A4DA-3ED38128D1FA}">
+      <dgm:prSet/>
+      <dgm:spPr/>
+      <dgm:t>
+        <a:bodyPr/>
+        <a:lstStyle/>
+        <a:p>
+          <a:endParaRPr lang="it-IT"/>
+        </a:p>
+      </dgm:t>
+    </dgm:pt>
+    <dgm:pt modelId="{B89BCBAE-FCA7-46B2-BE2B-25C842D70EC4}" type="sibTrans" cxnId="{864B1D0B-91DB-4CF8-A4DA-3ED38128D1FA}">
+      <dgm:prSet/>
+      <dgm:spPr/>
+      <dgm:t>
+        <a:bodyPr/>
+        <a:lstStyle/>
+        <a:p>
+          <a:endParaRPr lang="it-IT"/>
+        </a:p>
+      </dgm:t>
+    </dgm:pt>
+    <dgm:pt modelId="{7C120EC8-98E1-4243-B94E-C181387DFDD7}">
+      <dgm:prSet phldrT="[Text]"/>
+      <dgm:spPr/>
+      <dgm:t>
+        <a:bodyPr/>
+        <a:lstStyle/>
+        <a:p>
+          <a:r>
+            <a:rPr lang="it-IT" dirty="0"/>
+            <a:t>Container Instances</a:t>
+          </a:r>
+        </a:p>
+      </dgm:t>
+    </dgm:pt>
+    <dgm:pt modelId="{B16CD15E-309A-4FD3-8DA8-9F23EE588E6D}" type="parTrans" cxnId="{480073DE-5BC7-4FC6-8E50-353203E7C3C4}">
+      <dgm:prSet/>
+      <dgm:spPr/>
+      <dgm:t>
+        <a:bodyPr/>
+        <a:lstStyle/>
+        <a:p>
+          <a:endParaRPr lang="it-IT"/>
+        </a:p>
+      </dgm:t>
+    </dgm:pt>
+    <dgm:pt modelId="{F52D12A3-CEE8-407D-98BE-34BF157759EF}" type="sibTrans" cxnId="{480073DE-5BC7-4FC6-8E50-353203E7C3C4}">
+      <dgm:prSet/>
+      <dgm:spPr/>
+      <dgm:t>
+        <a:bodyPr/>
+        <a:lstStyle/>
+        <a:p>
+          <a:endParaRPr lang="it-IT"/>
+        </a:p>
+      </dgm:t>
+    </dgm:pt>
+    <dgm:pt modelId="{3C37829F-502F-4446-822A-03FD905F6A25}">
+      <dgm:prSet phldrT="[Text]"/>
+      <dgm:spPr/>
+      <dgm:t>
+        <a:bodyPr/>
+        <a:lstStyle/>
+        <a:p>
+          <a:r>
+            <a:rPr lang="it-IT" dirty="0"/>
+            <a:t>Container Apps</a:t>
+          </a:r>
+        </a:p>
+      </dgm:t>
+    </dgm:pt>
+    <dgm:pt modelId="{1A16F9FA-1C34-459C-AB56-F98664A4A08F}" type="parTrans" cxnId="{7B576D61-B467-44A7-B57F-6A6D36DFFE2D}">
+      <dgm:prSet/>
+      <dgm:spPr/>
+      <dgm:t>
+        <a:bodyPr/>
+        <a:lstStyle/>
+        <a:p>
+          <a:endParaRPr lang="it-IT"/>
+        </a:p>
+      </dgm:t>
+    </dgm:pt>
+    <dgm:pt modelId="{241A7538-9516-4E43-9E2E-DAEEFEE6E10B}" type="sibTrans" cxnId="{7B576D61-B467-44A7-B57F-6A6D36DFFE2D}">
+      <dgm:prSet/>
+      <dgm:spPr/>
+      <dgm:t>
+        <a:bodyPr/>
+        <a:lstStyle/>
+        <a:p>
+          <a:endParaRPr lang="it-IT"/>
+        </a:p>
+      </dgm:t>
+    </dgm:pt>
+    <dgm:pt modelId="{611A4666-76F8-4A03-B370-747B4C215234}" type="pres">
+      <dgm:prSet presAssocID="{F7BE7B60-6B9F-4C8B-9A8D-2845D43EB305}" presName="Name0" presStyleCnt="0">
+        <dgm:presLayoutVars>
+          <dgm:dir/>
+          <dgm:resizeHandles val="exact"/>
+        </dgm:presLayoutVars>
+      </dgm:prSet>
+      <dgm:spPr/>
+    </dgm:pt>
+    <dgm:pt modelId="{8C4D2858-A763-41B6-9E94-A3D781B45687}" type="pres">
+      <dgm:prSet presAssocID="{F7BE7B60-6B9F-4C8B-9A8D-2845D43EB305}" presName="arrow" presStyleLbl="bgShp" presStyleIdx="0" presStyleCnt="1"/>
+      <dgm:spPr/>
+    </dgm:pt>
+    <dgm:pt modelId="{6E6ADD75-68B6-4DB8-9FA7-56EF82F0EB7D}" type="pres">
+      <dgm:prSet presAssocID="{F7BE7B60-6B9F-4C8B-9A8D-2845D43EB305}" presName="points" presStyleCnt="0"/>
+      <dgm:spPr/>
+    </dgm:pt>
+    <dgm:pt modelId="{0D45D515-875D-4D33-9677-3E8DC3415193}" type="pres">
+      <dgm:prSet presAssocID="{C0DF0B2F-0AC4-47D0-BE39-E547B628E0FD}" presName="compositeA" presStyleCnt="0"/>
+      <dgm:spPr/>
+    </dgm:pt>
+    <dgm:pt modelId="{49209668-ADB1-42CA-BEF5-BA3657FC24FC}" type="pres">
+      <dgm:prSet presAssocID="{C0DF0B2F-0AC4-47D0-BE39-E547B628E0FD}" presName="textA" presStyleLbl="revTx" presStyleIdx="0" presStyleCnt="4">
+        <dgm:presLayoutVars>
+          <dgm:bulletEnabled val="1"/>
+        </dgm:presLayoutVars>
+      </dgm:prSet>
+      <dgm:spPr/>
+    </dgm:pt>
+    <dgm:pt modelId="{8EFFD7B0-188F-4B0E-9AE3-07BD6372C8EF}" type="pres">
+      <dgm:prSet presAssocID="{C0DF0B2F-0AC4-47D0-BE39-E547B628E0FD}" presName="circleA" presStyleLbl="node1" presStyleIdx="0" presStyleCnt="4"/>
+      <dgm:spPr/>
+    </dgm:pt>
+    <dgm:pt modelId="{C6EDB58E-D084-4F19-A793-06B2B683CA70}" type="pres">
+      <dgm:prSet presAssocID="{C0DF0B2F-0AC4-47D0-BE39-E547B628E0FD}" presName="spaceA" presStyleCnt="0"/>
+      <dgm:spPr/>
+    </dgm:pt>
+    <dgm:pt modelId="{B6B4E6A6-73FA-4F60-B78A-785FBA7D5034}" type="pres">
+      <dgm:prSet presAssocID="{8DB8768F-B0B5-40B7-AB0D-EA3B07C52B7D}" presName="space" presStyleCnt="0"/>
+      <dgm:spPr/>
+    </dgm:pt>
+    <dgm:pt modelId="{EA7B9AE4-B4DA-49E1-B951-92130F82D977}" type="pres">
+      <dgm:prSet presAssocID="{00616169-3D3A-469A-A604-B657382378F9}" presName="compositeB" presStyleCnt="0"/>
+      <dgm:spPr/>
+    </dgm:pt>
+    <dgm:pt modelId="{C18E009E-9E98-4070-9A7E-04D6884BD1AE}" type="pres">
+      <dgm:prSet presAssocID="{00616169-3D3A-469A-A604-B657382378F9}" presName="textB" presStyleLbl="revTx" presStyleIdx="1" presStyleCnt="4">
+        <dgm:presLayoutVars>
+          <dgm:bulletEnabled val="1"/>
+        </dgm:presLayoutVars>
+      </dgm:prSet>
+      <dgm:spPr/>
+    </dgm:pt>
+    <dgm:pt modelId="{BB72F20F-9D08-464D-9633-AC6C54DEE697}" type="pres">
+      <dgm:prSet presAssocID="{00616169-3D3A-469A-A604-B657382378F9}" presName="circleB" presStyleLbl="node1" presStyleIdx="1" presStyleCnt="4"/>
+      <dgm:spPr/>
+    </dgm:pt>
+    <dgm:pt modelId="{D6D9BBC2-0243-4DD6-8DF2-07E12CA69304}" type="pres">
+      <dgm:prSet presAssocID="{00616169-3D3A-469A-A604-B657382378F9}" presName="spaceB" presStyleCnt="0"/>
+      <dgm:spPr/>
+    </dgm:pt>
+    <dgm:pt modelId="{2743089A-EC9F-4A21-AA7A-CEE81A4E3E3E}" type="pres">
+      <dgm:prSet presAssocID="{B89BCBAE-FCA7-46B2-BE2B-25C842D70EC4}" presName="space" presStyleCnt="0"/>
+      <dgm:spPr/>
+    </dgm:pt>
+    <dgm:pt modelId="{068B3CD0-4F3F-4B46-8E3A-F2254C191A53}" type="pres">
+      <dgm:prSet presAssocID="{7C120EC8-98E1-4243-B94E-C181387DFDD7}" presName="compositeA" presStyleCnt="0"/>
+      <dgm:spPr/>
+    </dgm:pt>
+    <dgm:pt modelId="{C00B396C-0280-4E4E-8757-AC176815E501}" type="pres">
+      <dgm:prSet presAssocID="{7C120EC8-98E1-4243-B94E-C181387DFDD7}" presName="textA" presStyleLbl="revTx" presStyleIdx="2" presStyleCnt="4">
+        <dgm:presLayoutVars>
+          <dgm:bulletEnabled val="1"/>
+        </dgm:presLayoutVars>
+      </dgm:prSet>
+      <dgm:spPr/>
+    </dgm:pt>
+    <dgm:pt modelId="{65428697-8DAA-4864-926F-E4BA8535FE26}" type="pres">
+      <dgm:prSet presAssocID="{7C120EC8-98E1-4243-B94E-C181387DFDD7}" presName="circleA" presStyleLbl="node1" presStyleIdx="2" presStyleCnt="4"/>
+      <dgm:spPr/>
+    </dgm:pt>
+    <dgm:pt modelId="{A8F9823E-F2F1-4EEC-ADF1-E6DB270D894F}" type="pres">
+      <dgm:prSet presAssocID="{7C120EC8-98E1-4243-B94E-C181387DFDD7}" presName="spaceA" presStyleCnt="0"/>
+      <dgm:spPr/>
+    </dgm:pt>
+    <dgm:pt modelId="{E892FFC3-4755-4FB4-B456-881EB8999ED9}" type="pres">
+      <dgm:prSet presAssocID="{F52D12A3-CEE8-407D-98BE-34BF157759EF}" presName="space" presStyleCnt="0"/>
+      <dgm:spPr/>
+    </dgm:pt>
+    <dgm:pt modelId="{68D01DB5-7E2E-43FA-844F-6D4C343DC6C7}" type="pres">
+      <dgm:prSet presAssocID="{3C37829F-502F-4446-822A-03FD905F6A25}" presName="compositeB" presStyleCnt="0"/>
+      <dgm:spPr/>
+    </dgm:pt>
+    <dgm:pt modelId="{033AC0F7-6D08-44F8-9D25-BA589CA9DF99}" type="pres">
+      <dgm:prSet presAssocID="{3C37829F-502F-4446-822A-03FD905F6A25}" presName="textB" presStyleLbl="revTx" presStyleIdx="3" presStyleCnt="4">
+        <dgm:presLayoutVars>
+          <dgm:bulletEnabled val="1"/>
+        </dgm:presLayoutVars>
+      </dgm:prSet>
+      <dgm:spPr/>
+    </dgm:pt>
+    <dgm:pt modelId="{0812E6A5-103B-4599-9558-1102EA45D2A4}" type="pres">
+      <dgm:prSet presAssocID="{3C37829F-502F-4446-822A-03FD905F6A25}" presName="circleB" presStyleLbl="node1" presStyleIdx="3" presStyleCnt="4"/>
+      <dgm:spPr/>
+    </dgm:pt>
+    <dgm:pt modelId="{B5437526-A9A0-4BB9-9069-738EC81E738F}" type="pres">
+      <dgm:prSet presAssocID="{3C37829F-502F-4446-822A-03FD905F6A25}" presName="spaceB" presStyleCnt="0"/>
+      <dgm:spPr/>
+    </dgm:pt>
+  </dgm:ptLst>
+  <dgm:cxnLst>
+    <dgm:cxn modelId="{29472B05-862A-4E0B-AD15-8F960E3CDBE2}" type="presOf" srcId="{7C120EC8-98E1-4243-B94E-C181387DFDD7}" destId="{C00B396C-0280-4E4E-8757-AC176815E501}" srcOrd="0" destOrd="0" presId="urn:microsoft.com/office/officeart/2005/8/layout/hProcess11"/>
+    <dgm:cxn modelId="{864B1D0B-91DB-4CF8-A4DA-3ED38128D1FA}" srcId="{F7BE7B60-6B9F-4C8B-9A8D-2845D43EB305}" destId="{00616169-3D3A-469A-A604-B657382378F9}" srcOrd="1" destOrd="0" parTransId="{C5929B4F-A1BD-4368-8D2F-2962E09260B5}" sibTransId="{B89BCBAE-FCA7-46B2-BE2B-25C842D70EC4}"/>
+    <dgm:cxn modelId="{08AA1520-5F0F-4AC5-94EA-F2001A9113B8}" type="presOf" srcId="{3C37829F-502F-4446-822A-03FD905F6A25}" destId="{033AC0F7-6D08-44F8-9D25-BA589CA9DF99}" srcOrd="0" destOrd="0" presId="urn:microsoft.com/office/officeart/2005/8/layout/hProcess11"/>
+    <dgm:cxn modelId="{7B576D61-B467-44A7-B57F-6A6D36DFFE2D}" srcId="{F7BE7B60-6B9F-4C8B-9A8D-2845D43EB305}" destId="{3C37829F-502F-4446-822A-03FD905F6A25}" srcOrd="3" destOrd="0" parTransId="{1A16F9FA-1C34-459C-AB56-F98664A4A08F}" sibTransId="{241A7538-9516-4E43-9E2E-DAEEFEE6E10B}"/>
+    <dgm:cxn modelId="{FC163048-6EEB-44FD-A83B-C0D8C6CDB398}" type="presOf" srcId="{00616169-3D3A-469A-A604-B657382378F9}" destId="{C18E009E-9E98-4070-9A7E-04D6884BD1AE}" srcOrd="0" destOrd="0" presId="urn:microsoft.com/office/officeart/2005/8/layout/hProcess11"/>
+    <dgm:cxn modelId="{B3EF7993-5453-477F-8DCC-68CD7CFD1736}" srcId="{F7BE7B60-6B9F-4C8B-9A8D-2845D43EB305}" destId="{C0DF0B2F-0AC4-47D0-BE39-E547B628E0FD}" srcOrd="0" destOrd="0" parTransId="{CBACCB02-6051-44DF-BCB0-3469BF1EDDA3}" sibTransId="{8DB8768F-B0B5-40B7-AB0D-EA3B07C52B7D}"/>
+    <dgm:cxn modelId="{46EFB8A2-B27E-44E1-AF37-9C17B372A322}" type="presOf" srcId="{C0DF0B2F-0AC4-47D0-BE39-E547B628E0FD}" destId="{49209668-ADB1-42CA-BEF5-BA3657FC24FC}" srcOrd="0" destOrd="0" presId="urn:microsoft.com/office/officeart/2005/8/layout/hProcess11"/>
+    <dgm:cxn modelId="{480073DE-5BC7-4FC6-8E50-353203E7C3C4}" srcId="{F7BE7B60-6B9F-4C8B-9A8D-2845D43EB305}" destId="{7C120EC8-98E1-4243-B94E-C181387DFDD7}" srcOrd="2" destOrd="0" parTransId="{B16CD15E-309A-4FD3-8DA8-9F23EE588E6D}" sibTransId="{F52D12A3-CEE8-407D-98BE-34BF157759EF}"/>
+    <dgm:cxn modelId="{4EA890EE-C3EB-4F68-851F-D403E8964849}" type="presOf" srcId="{F7BE7B60-6B9F-4C8B-9A8D-2845D43EB305}" destId="{611A4666-76F8-4A03-B370-747B4C215234}" srcOrd="0" destOrd="0" presId="urn:microsoft.com/office/officeart/2005/8/layout/hProcess11"/>
+    <dgm:cxn modelId="{DEA490C4-62D9-4946-8095-271F3CA2C5F8}" type="presParOf" srcId="{611A4666-76F8-4A03-B370-747B4C215234}" destId="{8C4D2858-A763-41B6-9E94-A3D781B45687}" srcOrd="0" destOrd="0" presId="urn:microsoft.com/office/officeart/2005/8/layout/hProcess11"/>
+    <dgm:cxn modelId="{0A165F65-9323-40F9-9BD3-E212E972FE75}" type="presParOf" srcId="{611A4666-76F8-4A03-B370-747B4C215234}" destId="{6E6ADD75-68B6-4DB8-9FA7-56EF82F0EB7D}" srcOrd="1" destOrd="0" presId="urn:microsoft.com/office/officeart/2005/8/layout/hProcess11"/>
+    <dgm:cxn modelId="{DD63CDF2-C96F-4EEA-B7A0-8EC185E48C82}" type="presParOf" srcId="{6E6ADD75-68B6-4DB8-9FA7-56EF82F0EB7D}" destId="{0D45D515-875D-4D33-9677-3E8DC3415193}" srcOrd="0" destOrd="0" presId="urn:microsoft.com/office/officeart/2005/8/layout/hProcess11"/>
+    <dgm:cxn modelId="{FB4E88FC-3B16-4844-BC35-1756D930E748}" type="presParOf" srcId="{0D45D515-875D-4D33-9677-3E8DC3415193}" destId="{49209668-ADB1-42CA-BEF5-BA3657FC24FC}" srcOrd="0" destOrd="0" presId="urn:microsoft.com/office/officeart/2005/8/layout/hProcess11"/>
+    <dgm:cxn modelId="{BC991CBC-E897-466A-BF68-975C82886E87}" type="presParOf" srcId="{0D45D515-875D-4D33-9677-3E8DC3415193}" destId="{8EFFD7B0-188F-4B0E-9AE3-07BD6372C8EF}" srcOrd="1" destOrd="0" presId="urn:microsoft.com/office/officeart/2005/8/layout/hProcess11"/>
+    <dgm:cxn modelId="{01CD4413-4A2A-4A73-9B32-51FE40135BD2}" type="presParOf" srcId="{0D45D515-875D-4D33-9677-3E8DC3415193}" destId="{C6EDB58E-D084-4F19-A793-06B2B683CA70}" srcOrd="2" destOrd="0" presId="urn:microsoft.com/office/officeart/2005/8/layout/hProcess11"/>
+    <dgm:cxn modelId="{D7B8E31E-1827-4563-A0BF-E07C126C3DF4}" type="presParOf" srcId="{6E6ADD75-68B6-4DB8-9FA7-56EF82F0EB7D}" destId="{B6B4E6A6-73FA-4F60-B78A-785FBA7D5034}" srcOrd="1" destOrd="0" presId="urn:microsoft.com/office/officeart/2005/8/layout/hProcess11"/>
+    <dgm:cxn modelId="{AC197693-4795-4FCE-8386-6F6C1B371819}" type="presParOf" srcId="{6E6ADD75-68B6-4DB8-9FA7-56EF82F0EB7D}" destId="{EA7B9AE4-B4DA-49E1-B951-92130F82D977}" srcOrd="2" destOrd="0" presId="urn:microsoft.com/office/officeart/2005/8/layout/hProcess11"/>
+    <dgm:cxn modelId="{59699CDC-3A85-49EF-A8A6-136D4C016F00}" type="presParOf" srcId="{EA7B9AE4-B4DA-49E1-B951-92130F82D977}" destId="{C18E009E-9E98-4070-9A7E-04D6884BD1AE}" srcOrd="0" destOrd="0" presId="urn:microsoft.com/office/officeart/2005/8/layout/hProcess11"/>
+    <dgm:cxn modelId="{D0E38A42-AB0F-4C1A-946F-5431519A27AB}" type="presParOf" srcId="{EA7B9AE4-B4DA-49E1-B951-92130F82D977}" destId="{BB72F20F-9D08-464D-9633-AC6C54DEE697}" srcOrd="1" destOrd="0" presId="urn:microsoft.com/office/officeart/2005/8/layout/hProcess11"/>
+    <dgm:cxn modelId="{58F63AC5-47B8-4C64-8F51-5CA83DD843E3}" type="presParOf" srcId="{EA7B9AE4-B4DA-49E1-B951-92130F82D977}" destId="{D6D9BBC2-0243-4DD6-8DF2-07E12CA69304}" srcOrd="2" destOrd="0" presId="urn:microsoft.com/office/officeart/2005/8/layout/hProcess11"/>
+    <dgm:cxn modelId="{9324A554-F148-4DB5-AE63-082A7055AAB4}" type="presParOf" srcId="{6E6ADD75-68B6-4DB8-9FA7-56EF82F0EB7D}" destId="{2743089A-EC9F-4A21-AA7A-CEE81A4E3E3E}" srcOrd="3" destOrd="0" presId="urn:microsoft.com/office/officeart/2005/8/layout/hProcess11"/>
+    <dgm:cxn modelId="{93208256-6266-4876-976E-C419CF0D336E}" type="presParOf" srcId="{6E6ADD75-68B6-4DB8-9FA7-56EF82F0EB7D}" destId="{068B3CD0-4F3F-4B46-8E3A-F2254C191A53}" srcOrd="4" destOrd="0" presId="urn:microsoft.com/office/officeart/2005/8/layout/hProcess11"/>
+    <dgm:cxn modelId="{D4176BB3-645F-4568-A760-E96738E4C7A8}" type="presParOf" srcId="{068B3CD0-4F3F-4B46-8E3A-F2254C191A53}" destId="{C00B396C-0280-4E4E-8757-AC176815E501}" srcOrd="0" destOrd="0" presId="urn:microsoft.com/office/officeart/2005/8/layout/hProcess11"/>
+    <dgm:cxn modelId="{5224FEFB-9EAA-48D8-B159-FDB645AE3F02}" type="presParOf" srcId="{068B3CD0-4F3F-4B46-8E3A-F2254C191A53}" destId="{65428697-8DAA-4864-926F-E4BA8535FE26}" srcOrd="1" destOrd="0" presId="urn:microsoft.com/office/officeart/2005/8/layout/hProcess11"/>
+    <dgm:cxn modelId="{6A4455CF-6714-40BA-A26F-698468351E9B}" type="presParOf" srcId="{068B3CD0-4F3F-4B46-8E3A-F2254C191A53}" destId="{A8F9823E-F2F1-4EEC-ADF1-E6DB270D894F}" srcOrd="2" destOrd="0" presId="urn:microsoft.com/office/officeart/2005/8/layout/hProcess11"/>
+    <dgm:cxn modelId="{9BD835FA-6DAE-4BE5-8161-3374A50F0D6F}" type="presParOf" srcId="{6E6ADD75-68B6-4DB8-9FA7-56EF82F0EB7D}" destId="{E892FFC3-4755-4FB4-B456-881EB8999ED9}" srcOrd="5" destOrd="0" presId="urn:microsoft.com/office/officeart/2005/8/layout/hProcess11"/>
+    <dgm:cxn modelId="{D4B41E19-CCE4-41C7-81EB-FE309D49B8FC}" type="presParOf" srcId="{6E6ADD75-68B6-4DB8-9FA7-56EF82F0EB7D}" destId="{68D01DB5-7E2E-43FA-844F-6D4C343DC6C7}" srcOrd="6" destOrd="0" presId="urn:microsoft.com/office/officeart/2005/8/layout/hProcess11"/>
+    <dgm:cxn modelId="{9203EBEA-BDA2-4A3E-824C-8DCB7033281A}" type="presParOf" srcId="{68D01DB5-7E2E-43FA-844F-6D4C343DC6C7}" destId="{033AC0F7-6D08-44F8-9D25-BA589CA9DF99}" srcOrd="0" destOrd="0" presId="urn:microsoft.com/office/officeart/2005/8/layout/hProcess11"/>
+    <dgm:cxn modelId="{B963CA0E-947E-46BE-9364-2608AF72E0DD}" type="presParOf" srcId="{68D01DB5-7E2E-43FA-844F-6D4C343DC6C7}" destId="{0812E6A5-103B-4599-9558-1102EA45D2A4}" srcOrd="1" destOrd="0" presId="urn:microsoft.com/office/officeart/2005/8/layout/hProcess11"/>
+    <dgm:cxn modelId="{A264AD6D-FE8D-49F0-84BE-DC3D1F0F399E}" type="presParOf" srcId="{68D01DB5-7E2E-43FA-844F-6D4C343DC6C7}" destId="{B5437526-A9A0-4BB9-9069-738EC81E738F}" srcOrd="2" destOrd="0" presId="urn:microsoft.com/office/officeart/2005/8/layout/hProcess11"/>
+  </dgm:cxnLst>
+  <dgm:bg/>
+  <dgm:whole/>
+  <dgm:extLst>
+    <a:ext uri="http://schemas.microsoft.com/office/drawing/2008/diagram">
+      <dsp:dataModelExt xmlns:dsp="http://schemas.microsoft.com/office/drawing/2008/diagram" relId="rId6" minVer="http://schemas.openxmlformats.org/drawingml/2006/diagram"/>
+    </a:ext>
+  </dgm:extLst>
+</dgm:dataModel>
+</file>
+
+<file path=ppt/diagrams/data3.xml><?xml version="1.0" encoding="utf-8"?>
 <dgm:dataModel xmlns:dgm="http://schemas.openxmlformats.org/drawingml/2006/diagram" xmlns:a="http://schemas.openxmlformats.org/drawingml/2006/main">
   <dgm:ptLst>
     <dgm:pt modelId="{F7BE7B60-6B9F-4C8B-9A8D-2845D43EB305}" type="doc">
@@ -2873,7 +3925,7 @@
           </a:pPr>
           <a:r>
             <a:rPr lang="it-IT" sz="1700" kern="1200" dirty="0"/>
-            <a:t>A small dev/tech team in charge to build data stuff to do it</a:t>
+            <a:t>A small but amazing dev/tech team in charge to build data stuff to do it</a:t>
           </a:r>
         </a:p>
       </dsp:txBody>
@@ -2887,6 +3939,498 @@
 </file>
 
 <file path=ppt/diagrams/drawing2.xml><?xml version="1.0" encoding="utf-8"?>
+<dsp:drawing xmlns:dgm="http://schemas.openxmlformats.org/drawingml/2006/diagram" xmlns:dsp="http://schemas.microsoft.com/office/drawing/2008/diagram" xmlns:a="http://schemas.openxmlformats.org/drawingml/2006/main">
+  <dsp:spTree>
+    <dsp:nvGrpSpPr>
+      <dsp:cNvPr id="0" name=""/>
+      <dsp:cNvGrpSpPr/>
+    </dsp:nvGrpSpPr>
+    <dsp:grpSpPr/>
+    <dsp:sp modelId="{8C4D2858-A763-41B6-9E94-A3D781B45687}">
+      <dsp:nvSpPr>
+        <dsp:cNvPr id="0" name=""/>
+        <dsp:cNvSpPr/>
+      </dsp:nvSpPr>
+      <dsp:spPr>
+        <a:xfrm>
+          <a:off x="0" y="547537"/>
+          <a:ext cx="11055281" cy="730050"/>
+        </a:xfrm>
+        <a:prstGeom prst="notchedRightArrow">
+          <a:avLst/>
+        </a:prstGeom>
+        <a:solidFill>
+          <a:schemeClr val="accent1">
+            <a:tint val="40000"/>
+            <a:hueOff val="0"/>
+            <a:satOff val="0"/>
+            <a:lumOff val="0"/>
+            <a:alphaOff val="0"/>
+          </a:schemeClr>
+        </a:solidFill>
+        <a:ln>
+          <a:noFill/>
+        </a:ln>
+        <a:effectLst/>
+      </dsp:spPr>
+      <dsp:style>
+        <a:lnRef idx="0">
+          <a:scrgbClr r="0" g="0" b="0"/>
+        </a:lnRef>
+        <a:fillRef idx="1">
+          <a:scrgbClr r="0" g="0" b="0"/>
+        </a:fillRef>
+        <a:effectRef idx="0">
+          <a:scrgbClr r="0" g="0" b="0"/>
+        </a:effectRef>
+        <a:fontRef idx="minor"/>
+      </dsp:style>
+    </dsp:sp>
+    <dsp:sp modelId="{49209668-ADB1-42CA-BEF5-BA3657FC24FC}">
+      <dsp:nvSpPr>
+        <dsp:cNvPr id="0" name=""/>
+        <dsp:cNvSpPr/>
+      </dsp:nvSpPr>
+      <dsp:spPr>
+        <a:xfrm>
+          <a:off x="4979" y="0"/>
+          <a:ext cx="2395130" cy="730050"/>
+        </a:xfrm>
+        <a:prstGeom prst="rect">
+          <a:avLst/>
+        </a:prstGeom>
+        <a:noFill/>
+        <a:ln>
+          <a:noFill/>
+        </a:ln>
+        <a:effectLst/>
+      </dsp:spPr>
+      <dsp:style>
+        <a:lnRef idx="0">
+          <a:scrgbClr r="0" g="0" b="0"/>
+        </a:lnRef>
+        <a:fillRef idx="0">
+          <a:scrgbClr r="0" g="0" b="0"/>
+        </a:fillRef>
+        <a:effectRef idx="0">
+          <a:scrgbClr r="0" g="0" b="0"/>
+        </a:effectRef>
+        <a:fontRef idx="minor"/>
+      </dsp:style>
+      <dsp:txBody>
+        <a:bodyPr spcFirstLastPara="0" vert="horz" wrap="square" lIns="135128" tIns="135128" rIns="135128" bIns="135128" numCol="1" spcCol="1270" anchor="b" anchorCtr="0">
+          <a:noAutofit/>
+        </a:bodyPr>
+        <a:lstStyle/>
+        <a:p>
+          <a:pPr marL="0" lvl="0" indent="0" algn="ctr" defTabSz="844550">
+            <a:lnSpc>
+              <a:spcPct val="90000"/>
+            </a:lnSpc>
+            <a:spcBef>
+              <a:spcPct val="0"/>
+            </a:spcBef>
+            <a:spcAft>
+              <a:spcPct val="35000"/>
+            </a:spcAft>
+            <a:buNone/>
+          </a:pPr>
+          <a:r>
+            <a:rPr lang="it-IT" sz="1900" kern="1200" dirty="0"/>
+            <a:t>App Service</a:t>
+          </a:r>
+        </a:p>
+      </dsp:txBody>
+      <dsp:txXfrm>
+        <a:off x="4979" y="0"/>
+        <a:ext cx="2395130" cy="730050"/>
+      </dsp:txXfrm>
+    </dsp:sp>
+    <dsp:sp modelId="{8EFFD7B0-188F-4B0E-9AE3-07BD6372C8EF}">
+      <dsp:nvSpPr>
+        <dsp:cNvPr id="0" name=""/>
+        <dsp:cNvSpPr/>
+      </dsp:nvSpPr>
+      <dsp:spPr>
+        <a:xfrm>
+          <a:off x="1111288" y="821306"/>
+          <a:ext cx="182512" cy="182512"/>
+        </a:xfrm>
+        <a:prstGeom prst="ellipse">
+          <a:avLst/>
+        </a:prstGeom>
+        <a:solidFill>
+          <a:schemeClr val="accent1">
+            <a:hueOff val="0"/>
+            <a:satOff val="0"/>
+            <a:lumOff val="0"/>
+            <a:alphaOff val="0"/>
+          </a:schemeClr>
+        </a:solidFill>
+        <a:ln w="12700" cap="flat" cmpd="sng" algn="ctr">
+          <a:solidFill>
+            <a:schemeClr val="lt1">
+              <a:hueOff val="0"/>
+              <a:satOff val="0"/>
+              <a:lumOff val="0"/>
+              <a:alphaOff val="0"/>
+            </a:schemeClr>
+          </a:solidFill>
+          <a:prstDash val="solid"/>
+          <a:miter lim="800000"/>
+        </a:ln>
+        <a:effectLst/>
+      </dsp:spPr>
+      <dsp:style>
+        <a:lnRef idx="2">
+          <a:scrgbClr r="0" g="0" b="0"/>
+        </a:lnRef>
+        <a:fillRef idx="1">
+          <a:scrgbClr r="0" g="0" b="0"/>
+        </a:fillRef>
+        <a:effectRef idx="0">
+          <a:scrgbClr r="0" g="0" b="0"/>
+        </a:effectRef>
+        <a:fontRef idx="minor">
+          <a:schemeClr val="lt1"/>
+        </a:fontRef>
+      </dsp:style>
+    </dsp:sp>
+    <dsp:sp modelId="{C18E009E-9E98-4070-9A7E-04D6884BD1AE}">
+      <dsp:nvSpPr>
+        <dsp:cNvPr id="0" name=""/>
+        <dsp:cNvSpPr/>
+      </dsp:nvSpPr>
+      <dsp:spPr>
+        <a:xfrm>
+          <a:off x="2519867" y="1095074"/>
+          <a:ext cx="2395130" cy="730050"/>
+        </a:xfrm>
+        <a:prstGeom prst="rect">
+          <a:avLst/>
+        </a:prstGeom>
+        <a:noFill/>
+        <a:ln>
+          <a:noFill/>
+        </a:ln>
+        <a:effectLst/>
+      </dsp:spPr>
+      <dsp:style>
+        <a:lnRef idx="0">
+          <a:scrgbClr r="0" g="0" b="0"/>
+        </a:lnRef>
+        <a:fillRef idx="0">
+          <a:scrgbClr r="0" g="0" b="0"/>
+        </a:fillRef>
+        <a:effectRef idx="0">
+          <a:scrgbClr r="0" g="0" b="0"/>
+        </a:effectRef>
+        <a:fontRef idx="minor"/>
+      </dsp:style>
+      <dsp:txBody>
+        <a:bodyPr spcFirstLastPara="0" vert="horz" wrap="square" lIns="135128" tIns="135128" rIns="135128" bIns="135128" numCol="1" spcCol="1270" anchor="t" anchorCtr="0">
+          <a:noAutofit/>
+        </a:bodyPr>
+        <a:lstStyle/>
+        <a:p>
+          <a:pPr marL="0" lvl="0" indent="0" algn="ctr" defTabSz="844550">
+            <a:lnSpc>
+              <a:spcPct val="90000"/>
+            </a:lnSpc>
+            <a:spcBef>
+              <a:spcPct val="0"/>
+            </a:spcBef>
+            <a:spcAft>
+              <a:spcPct val="35000"/>
+            </a:spcAft>
+            <a:buNone/>
+          </a:pPr>
+          <a:r>
+            <a:rPr lang="it-IT" sz="1900" kern="1200" dirty="0"/>
+            <a:t>Batch</a:t>
+          </a:r>
+        </a:p>
+      </dsp:txBody>
+      <dsp:txXfrm>
+        <a:off x="2519867" y="1095074"/>
+        <a:ext cx="2395130" cy="730050"/>
+      </dsp:txXfrm>
+    </dsp:sp>
+    <dsp:sp modelId="{BB72F20F-9D08-464D-9633-AC6C54DEE697}">
+      <dsp:nvSpPr>
+        <dsp:cNvPr id="0" name=""/>
+        <dsp:cNvSpPr/>
+      </dsp:nvSpPr>
+      <dsp:spPr>
+        <a:xfrm>
+          <a:off x="3626176" y="821306"/>
+          <a:ext cx="182512" cy="182512"/>
+        </a:xfrm>
+        <a:prstGeom prst="ellipse">
+          <a:avLst/>
+        </a:prstGeom>
+        <a:solidFill>
+          <a:schemeClr val="accent1">
+            <a:hueOff val="0"/>
+            <a:satOff val="0"/>
+            <a:lumOff val="0"/>
+            <a:alphaOff val="0"/>
+          </a:schemeClr>
+        </a:solidFill>
+        <a:ln w="12700" cap="flat" cmpd="sng" algn="ctr">
+          <a:solidFill>
+            <a:schemeClr val="lt1">
+              <a:hueOff val="0"/>
+              <a:satOff val="0"/>
+              <a:lumOff val="0"/>
+              <a:alphaOff val="0"/>
+            </a:schemeClr>
+          </a:solidFill>
+          <a:prstDash val="solid"/>
+          <a:miter lim="800000"/>
+        </a:ln>
+        <a:effectLst/>
+      </dsp:spPr>
+      <dsp:style>
+        <a:lnRef idx="2">
+          <a:scrgbClr r="0" g="0" b="0"/>
+        </a:lnRef>
+        <a:fillRef idx="1">
+          <a:scrgbClr r="0" g="0" b="0"/>
+        </a:fillRef>
+        <a:effectRef idx="0">
+          <a:scrgbClr r="0" g="0" b="0"/>
+        </a:effectRef>
+        <a:fontRef idx="minor">
+          <a:schemeClr val="lt1"/>
+        </a:fontRef>
+      </dsp:style>
+    </dsp:sp>
+    <dsp:sp modelId="{C00B396C-0280-4E4E-8757-AC176815E501}">
+      <dsp:nvSpPr>
+        <dsp:cNvPr id="0" name=""/>
+        <dsp:cNvSpPr/>
+      </dsp:nvSpPr>
+      <dsp:spPr>
+        <a:xfrm>
+          <a:off x="5034754" y="0"/>
+          <a:ext cx="2395130" cy="730050"/>
+        </a:xfrm>
+        <a:prstGeom prst="rect">
+          <a:avLst/>
+        </a:prstGeom>
+        <a:noFill/>
+        <a:ln>
+          <a:noFill/>
+        </a:ln>
+        <a:effectLst/>
+      </dsp:spPr>
+      <dsp:style>
+        <a:lnRef idx="0">
+          <a:scrgbClr r="0" g="0" b="0"/>
+        </a:lnRef>
+        <a:fillRef idx="0">
+          <a:scrgbClr r="0" g="0" b="0"/>
+        </a:fillRef>
+        <a:effectRef idx="0">
+          <a:scrgbClr r="0" g="0" b="0"/>
+        </a:effectRef>
+        <a:fontRef idx="minor"/>
+      </dsp:style>
+      <dsp:txBody>
+        <a:bodyPr spcFirstLastPara="0" vert="horz" wrap="square" lIns="135128" tIns="135128" rIns="135128" bIns="135128" numCol="1" spcCol="1270" anchor="b" anchorCtr="0">
+          <a:noAutofit/>
+        </a:bodyPr>
+        <a:lstStyle/>
+        <a:p>
+          <a:pPr marL="0" lvl="0" indent="0" algn="ctr" defTabSz="844550">
+            <a:lnSpc>
+              <a:spcPct val="90000"/>
+            </a:lnSpc>
+            <a:spcBef>
+              <a:spcPct val="0"/>
+            </a:spcBef>
+            <a:spcAft>
+              <a:spcPct val="35000"/>
+            </a:spcAft>
+            <a:buNone/>
+          </a:pPr>
+          <a:r>
+            <a:rPr lang="it-IT" sz="1900" kern="1200" dirty="0"/>
+            <a:t>Container Instances</a:t>
+          </a:r>
+        </a:p>
+      </dsp:txBody>
+      <dsp:txXfrm>
+        <a:off x="5034754" y="0"/>
+        <a:ext cx="2395130" cy="730050"/>
+      </dsp:txXfrm>
+    </dsp:sp>
+    <dsp:sp modelId="{65428697-8DAA-4864-926F-E4BA8535FE26}">
+      <dsp:nvSpPr>
+        <dsp:cNvPr id="0" name=""/>
+        <dsp:cNvSpPr/>
+      </dsp:nvSpPr>
+      <dsp:spPr>
+        <a:xfrm>
+          <a:off x="6141063" y="821306"/>
+          <a:ext cx="182512" cy="182512"/>
+        </a:xfrm>
+        <a:prstGeom prst="ellipse">
+          <a:avLst/>
+        </a:prstGeom>
+        <a:solidFill>
+          <a:schemeClr val="accent1">
+            <a:hueOff val="0"/>
+            <a:satOff val="0"/>
+            <a:lumOff val="0"/>
+            <a:alphaOff val="0"/>
+          </a:schemeClr>
+        </a:solidFill>
+        <a:ln w="12700" cap="flat" cmpd="sng" algn="ctr">
+          <a:solidFill>
+            <a:schemeClr val="lt1">
+              <a:hueOff val="0"/>
+              <a:satOff val="0"/>
+              <a:lumOff val="0"/>
+              <a:alphaOff val="0"/>
+            </a:schemeClr>
+          </a:solidFill>
+          <a:prstDash val="solid"/>
+          <a:miter lim="800000"/>
+        </a:ln>
+        <a:effectLst/>
+      </dsp:spPr>
+      <dsp:style>
+        <a:lnRef idx="2">
+          <a:scrgbClr r="0" g="0" b="0"/>
+        </a:lnRef>
+        <a:fillRef idx="1">
+          <a:scrgbClr r="0" g="0" b="0"/>
+        </a:fillRef>
+        <a:effectRef idx="0">
+          <a:scrgbClr r="0" g="0" b="0"/>
+        </a:effectRef>
+        <a:fontRef idx="minor">
+          <a:schemeClr val="lt1"/>
+        </a:fontRef>
+      </dsp:style>
+    </dsp:sp>
+    <dsp:sp modelId="{033AC0F7-6D08-44F8-9D25-BA589CA9DF99}">
+      <dsp:nvSpPr>
+        <dsp:cNvPr id="0" name=""/>
+        <dsp:cNvSpPr/>
+      </dsp:nvSpPr>
+      <dsp:spPr>
+        <a:xfrm>
+          <a:off x="7549642" y="1095074"/>
+          <a:ext cx="2395130" cy="730050"/>
+        </a:xfrm>
+        <a:prstGeom prst="rect">
+          <a:avLst/>
+        </a:prstGeom>
+        <a:noFill/>
+        <a:ln>
+          <a:noFill/>
+        </a:ln>
+        <a:effectLst/>
+      </dsp:spPr>
+      <dsp:style>
+        <a:lnRef idx="0">
+          <a:scrgbClr r="0" g="0" b="0"/>
+        </a:lnRef>
+        <a:fillRef idx="0">
+          <a:scrgbClr r="0" g="0" b="0"/>
+        </a:fillRef>
+        <a:effectRef idx="0">
+          <a:scrgbClr r="0" g="0" b="0"/>
+        </a:effectRef>
+        <a:fontRef idx="minor"/>
+      </dsp:style>
+      <dsp:txBody>
+        <a:bodyPr spcFirstLastPara="0" vert="horz" wrap="square" lIns="135128" tIns="135128" rIns="135128" bIns="135128" numCol="1" spcCol="1270" anchor="t" anchorCtr="0">
+          <a:noAutofit/>
+        </a:bodyPr>
+        <a:lstStyle/>
+        <a:p>
+          <a:pPr marL="0" lvl="0" indent="0" algn="ctr" defTabSz="844550">
+            <a:lnSpc>
+              <a:spcPct val="90000"/>
+            </a:lnSpc>
+            <a:spcBef>
+              <a:spcPct val="0"/>
+            </a:spcBef>
+            <a:spcAft>
+              <a:spcPct val="35000"/>
+            </a:spcAft>
+            <a:buNone/>
+          </a:pPr>
+          <a:r>
+            <a:rPr lang="it-IT" sz="1900" kern="1200" dirty="0"/>
+            <a:t>Container Apps</a:t>
+          </a:r>
+        </a:p>
+      </dsp:txBody>
+      <dsp:txXfrm>
+        <a:off x="7549642" y="1095074"/>
+        <a:ext cx="2395130" cy="730050"/>
+      </dsp:txXfrm>
+    </dsp:sp>
+    <dsp:sp modelId="{0812E6A5-103B-4599-9558-1102EA45D2A4}">
+      <dsp:nvSpPr>
+        <dsp:cNvPr id="0" name=""/>
+        <dsp:cNvSpPr/>
+      </dsp:nvSpPr>
+      <dsp:spPr>
+        <a:xfrm>
+          <a:off x="8655951" y="821306"/>
+          <a:ext cx="182512" cy="182512"/>
+        </a:xfrm>
+        <a:prstGeom prst="ellipse">
+          <a:avLst/>
+        </a:prstGeom>
+        <a:solidFill>
+          <a:schemeClr val="accent1">
+            <a:hueOff val="0"/>
+            <a:satOff val="0"/>
+            <a:lumOff val="0"/>
+            <a:alphaOff val="0"/>
+          </a:schemeClr>
+        </a:solidFill>
+        <a:ln w="12700" cap="flat" cmpd="sng" algn="ctr">
+          <a:solidFill>
+            <a:schemeClr val="lt1">
+              <a:hueOff val="0"/>
+              <a:satOff val="0"/>
+              <a:lumOff val="0"/>
+              <a:alphaOff val="0"/>
+            </a:schemeClr>
+          </a:solidFill>
+          <a:prstDash val="solid"/>
+          <a:miter lim="800000"/>
+        </a:ln>
+        <a:effectLst/>
+      </dsp:spPr>
+      <dsp:style>
+        <a:lnRef idx="2">
+          <a:scrgbClr r="0" g="0" b="0"/>
+        </a:lnRef>
+        <a:fillRef idx="1">
+          <a:scrgbClr r="0" g="0" b="0"/>
+        </a:fillRef>
+        <a:effectRef idx="0">
+          <a:scrgbClr r="0" g="0" b="0"/>
+        </a:effectRef>
+        <a:fontRef idx="minor">
+          <a:schemeClr val="lt1"/>
+        </a:fontRef>
+      </dsp:style>
+    </dsp:sp>
+  </dsp:spTree>
+</dsp:drawing>
+</file>
+
+<file path=ppt/diagrams/drawing3.xml><?xml version="1.0" encoding="utf-8"?>
 <dsp:drawing xmlns:dgm="http://schemas.openxmlformats.org/drawingml/2006/diagram" xmlns:dsp="http://schemas.microsoft.com/office/drawing/2008/diagram" xmlns:a="http://schemas.openxmlformats.org/drawingml/2006/main">
   <dsp:spTree>
     <dsp:nvGrpSpPr>
@@ -3875,6 +5419,278 @@
 </dgm:layoutDef>
 </file>
 
+<file path=ppt/diagrams/layout3.xml><?xml version="1.0" encoding="utf-8"?>
+<dgm:layoutDef xmlns:dgm="http://schemas.openxmlformats.org/drawingml/2006/diagram" xmlns:a="http://schemas.openxmlformats.org/drawingml/2006/main" uniqueId="urn:microsoft.com/office/officeart/2005/8/layout/hProcess11">
+  <dgm:title val=""/>
+  <dgm:desc val=""/>
+  <dgm:catLst>
+    <dgm:cat type="process" pri="8000"/>
+    <dgm:cat type="convert" pri="14000"/>
+  </dgm:catLst>
+  <dgm:sampData useDef="1">
+    <dgm:dataModel>
+      <dgm:ptLst/>
+      <dgm:bg/>
+      <dgm:whole/>
+    </dgm:dataModel>
+  </dgm:sampData>
+  <dgm:styleData>
+    <dgm:dataModel>
+      <dgm:ptLst>
+        <dgm:pt modelId="0" type="doc"/>
+        <dgm:pt modelId="1"/>
+        <dgm:pt modelId="2"/>
+      </dgm:ptLst>
+      <dgm:cxnLst>
+        <dgm:cxn modelId="4" srcId="0" destId="1" srcOrd="0" destOrd="0"/>
+        <dgm:cxn modelId="5" srcId="0" destId="2" srcOrd="1" destOrd="0"/>
+      </dgm:cxnLst>
+      <dgm:bg/>
+      <dgm:whole/>
+    </dgm:dataModel>
+  </dgm:styleData>
+  <dgm:clrData>
+    <dgm:dataModel>
+      <dgm:ptLst>
+        <dgm:pt modelId="0" type="doc"/>
+        <dgm:pt modelId="1"/>
+        <dgm:pt modelId="2"/>
+        <dgm:pt modelId="3"/>
+        <dgm:pt modelId="4"/>
+      </dgm:ptLst>
+      <dgm:cxnLst>
+        <dgm:cxn modelId="5" srcId="0" destId="1" srcOrd="0" destOrd="0"/>
+        <dgm:cxn modelId="6" srcId="0" destId="2" srcOrd="1" destOrd="0"/>
+        <dgm:cxn modelId="7" srcId="0" destId="3" srcOrd="2" destOrd="0"/>
+        <dgm:cxn modelId="8" srcId="0" destId="4" srcOrd="3" destOrd="0"/>
+      </dgm:cxnLst>
+      <dgm:bg/>
+      <dgm:whole/>
+    </dgm:dataModel>
+  </dgm:clrData>
+  <dgm:layoutNode name="Name0">
+    <dgm:varLst>
+      <dgm:dir/>
+      <dgm:resizeHandles val="exact"/>
+    </dgm:varLst>
+    <dgm:alg type="composite"/>
+    <dgm:shape xmlns:r="http://schemas.openxmlformats.org/officeDocument/2006/relationships" r:blip="">
+      <dgm:adjLst/>
+    </dgm:shape>
+    <dgm:presOf/>
+    <dgm:choose name="Name1">
+      <dgm:if name="Name2" func="var" arg="dir" op="equ" val="norm">
+        <dgm:constrLst>
+          <dgm:constr type="w" for="ch" forName="arrow" refType="w"/>
+          <dgm:constr type="h" for="ch" forName="arrow" refType="h" fact="0.4"/>
+          <dgm:constr type="ctrY" for="ch" forName="arrow" refType="h" fact="0.5"/>
+          <dgm:constr type="l" for="ch" forName="arrow"/>
+          <dgm:constr type="w" for="ch" forName="points" refType="w" fact="0.9"/>
+          <dgm:constr type="h" for="ch" forName="points" refType="h"/>
+          <dgm:constr type="t" for="ch" forName="points"/>
+          <dgm:constr type="l" for="ch" forName="points"/>
+        </dgm:constrLst>
+      </dgm:if>
+      <dgm:else name="Name3">
+        <dgm:constrLst>
+          <dgm:constr type="w" for="ch" forName="arrow" refType="w"/>
+          <dgm:constr type="h" for="ch" forName="arrow" refType="h" fact="0.4"/>
+          <dgm:constr type="ctrY" for="ch" forName="arrow" refType="h" fact="0.5"/>
+          <dgm:constr type="r" for="ch" forName="arrow" refType="w"/>
+          <dgm:constr type="w" for="ch" forName="points" refType="w" fact="0.9"/>
+          <dgm:constr type="h" for="ch" forName="points" refType="h"/>
+          <dgm:constr type="t" for="ch" forName="points"/>
+          <dgm:constr type="r" for="ch" forName="points" refType="w"/>
+        </dgm:constrLst>
+      </dgm:else>
+    </dgm:choose>
+    <dgm:ruleLst/>
+    <dgm:layoutNode name="arrow" styleLbl="bgShp">
+      <dgm:alg type="sp"/>
+      <dgm:choose name="Name4">
+        <dgm:if name="Name5" func="var" arg="dir" op="equ" val="norm">
+          <dgm:shape xmlns:r="http://schemas.openxmlformats.org/officeDocument/2006/relationships" type="notchedRightArrow" r:blip="">
+            <dgm:adjLst/>
+          </dgm:shape>
+        </dgm:if>
+        <dgm:else name="Name6">
+          <dgm:shape xmlns:r="http://schemas.openxmlformats.org/officeDocument/2006/relationships" rot="180" type="notchedRightArrow" r:blip="">
+            <dgm:adjLst/>
+          </dgm:shape>
+        </dgm:else>
+      </dgm:choose>
+      <dgm:presOf/>
+      <dgm:constrLst/>
+      <dgm:ruleLst/>
+    </dgm:layoutNode>
+    <dgm:layoutNode name="points">
+      <dgm:choose name="Name7">
+        <dgm:if name="Name8" func="var" arg="dir" op="equ" val="norm">
+          <dgm:alg type="lin">
+            <dgm:param type="linDir" val="fromL"/>
+          </dgm:alg>
+        </dgm:if>
+        <dgm:else name="Name9">
+          <dgm:alg type="lin">
+            <dgm:param type="linDir" val="fromR"/>
+          </dgm:alg>
+        </dgm:else>
+      </dgm:choose>
+      <dgm:shape xmlns:r="http://schemas.openxmlformats.org/officeDocument/2006/relationships" r:blip="">
+        <dgm:adjLst/>
+      </dgm:shape>
+      <dgm:presOf/>
+      <dgm:constrLst>
+        <dgm:constr type="w" for="ch" forName="compositeA" refType="w"/>
+        <dgm:constr type="h" for="ch" forName="compositeA" refType="h"/>
+        <dgm:constr type="w" for="ch" forName="compositeB" refType="w" refFor="ch" refForName="compositeA" op="equ"/>
+        <dgm:constr type="h" for="ch" forName="compositeB" refType="h" refFor="ch" refForName="compositeA" op="equ"/>
+        <dgm:constr type="primFontSz" for="des" ptType="node" op="equ" val="65"/>
+        <dgm:constr type="w" for="ch" forName="space" refType="w" refFor="ch" refForName="compositeA" op="equ" fact="0.05"/>
+      </dgm:constrLst>
+      <dgm:ruleLst/>
+      <dgm:forEach name="Name10" axis="ch" ptType="node">
+        <dgm:choose name="Name11">
+          <dgm:if name="Name12" axis="self" ptType="node" func="posOdd" op="equ" val="1">
+            <dgm:layoutNode name="compositeA">
+              <dgm:alg type="composite"/>
+              <dgm:shape xmlns:r="http://schemas.openxmlformats.org/officeDocument/2006/relationships" r:blip="">
+                <dgm:adjLst/>
+              </dgm:shape>
+              <dgm:presOf/>
+              <dgm:constrLst>
+                <dgm:constr type="w" for="ch" forName="textA" refType="w"/>
+                <dgm:constr type="h" for="ch" forName="textA" refType="h" fact="0.4"/>
+                <dgm:constr type="t" for="ch" forName="textA"/>
+                <dgm:constr type="l" for="ch" forName="textA"/>
+                <dgm:constr type="h" for="ch" forName="circleA" refType="h" fact="0.1"/>
+                <dgm:constr type="h" for="ch" forName="circleA" refType="w" op="lte"/>
+                <dgm:constr type="w" for="ch" forName="circleA" refType="h" refFor="ch" refForName="circleA" op="equ"/>
+                <dgm:constr type="ctrY" for="ch" forName="circleA" refType="h" fact="0.5"/>
+                <dgm:constr type="ctrX" for="ch" forName="circleA" refType="w" refFor="ch" refForName="textA" fact="0.5"/>
+                <dgm:constr type="w" for="ch" forName="spaceA" refType="w"/>
+                <dgm:constr type="h" for="ch" forName="spaceA" refType="h" fact="0.4"/>
+                <dgm:constr type="b" for="ch" forName="spaceA" refType="h"/>
+                <dgm:constr type="l" for="ch" forName="spaceA"/>
+              </dgm:constrLst>
+              <dgm:ruleLst/>
+              <dgm:layoutNode name="textA" styleLbl="revTx">
+                <dgm:varLst>
+                  <dgm:bulletEnabled val="1"/>
+                </dgm:varLst>
+                <dgm:alg type="tx">
+                  <dgm:param type="txAnchorVert" val="b"/>
+                  <dgm:param type="txAnchorVertCh" val="b"/>
+                  <dgm:param type="txAnchorHorzCh" val="ctr"/>
+                </dgm:alg>
+                <dgm:shape xmlns:r="http://schemas.openxmlformats.org/officeDocument/2006/relationships" type="rect" r:blip="">
+                  <dgm:adjLst/>
+                </dgm:shape>
+                <dgm:presOf axis="desOrSelf" ptType="node"/>
+                <dgm:constrLst/>
+                <dgm:ruleLst>
+                  <dgm:rule type="primFontSz" val="5" fact="NaN" max="NaN"/>
+                </dgm:ruleLst>
+              </dgm:layoutNode>
+              <dgm:layoutNode name="circleA">
+                <dgm:alg type="sp"/>
+                <dgm:shape xmlns:r="http://schemas.openxmlformats.org/officeDocument/2006/relationships" type="ellipse" r:blip="">
+                  <dgm:adjLst/>
+                </dgm:shape>
+                <dgm:presOf/>
+                <dgm:constrLst/>
+                <dgm:ruleLst/>
+              </dgm:layoutNode>
+              <dgm:layoutNode name="spaceA">
+                <dgm:alg type="sp"/>
+                <dgm:shape xmlns:r="http://schemas.openxmlformats.org/officeDocument/2006/relationships" r:blip="">
+                  <dgm:adjLst/>
+                </dgm:shape>
+                <dgm:presOf/>
+                <dgm:constrLst/>
+                <dgm:ruleLst/>
+              </dgm:layoutNode>
+            </dgm:layoutNode>
+          </dgm:if>
+          <dgm:else name="Name13">
+            <dgm:layoutNode name="compositeB">
+              <dgm:alg type="composite"/>
+              <dgm:shape xmlns:r="http://schemas.openxmlformats.org/officeDocument/2006/relationships" r:blip="">
+                <dgm:adjLst/>
+              </dgm:shape>
+              <dgm:presOf/>
+              <dgm:constrLst>
+                <dgm:constr type="w" for="ch" forName="textB" refType="w"/>
+                <dgm:constr type="h" for="ch" forName="textB" refType="h" fact="0.4"/>
+                <dgm:constr type="b" for="ch" forName="textB" refType="h"/>
+                <dgm:constr type="l" for="ch" forName="textB"/>
+                <dgm:constr type="h" for="ch" forName="circleB" refType="h" fact="0.1"/>
+                <dgm:constr type="w" for="ch" forName="circleB" refType="h" refFor="ch" refForName="circleB" op="equ"/>
+                <dgm:constr type="h" for="ch" forName="circleB" refType="w" op="lte"/>
+                <dgm:constr type="ctrY" for="ch" forName="circleB" refType="h" fact="0.5"/>
+                <dgm:constr type="ctrX" for="ch" forName="circleB" refType="w" refFor="ch" refForName="textB" fact="0.5"/>
+                <dgm:constr type="w" for="ch" forName="spaceB" refType="w"/>
+                <dgm:constr type="h" for="ch" forName="spaceB" refType="h" fact="0.4"/>
+                <dgm:constr type="t" for="ch" forName="spaceB"/>
+                <dgm:constr type="l" for="ch" forName="spaceB"/>
+              </dgm:constrLst>
+              <dgm:ruleLst/>
+              <dgm:layoutNode name="textB" styleLbl="revTx">
+                <dgm:varLst>
+                  <dgm:bulletEnabled val="1"/>
+                </dgm:varLst>
+                <dgm:alg type="tx">
+                  <dgm:param type="txAnchorVert" val="t"/>
+                  <dgm:param type="txAnchorVertCh" val="t"/>
+                  <dgm:param type="txAnchorHorzCh" val="ctr"/>
+                </dgm:alg>
+                <dgm:shape xmlns:r="http://schemas.openxmlformats.org/officeDocument/2006/relationships" type="rect" r:blip="">
+                  <dgm:adjLst/>
+                </dgm:shape>
+                <dgm:presOf axis="desOrSelf" ptType="node"/>
+                <dgm:constrLst/>
+                <dgm:ruleLst>
+                  <dgm:rule type="primFontSz" val="5" fact="NaN" max="NaN"/>
+                </dgm:ruleLst>
+              </dgm:layoutNode>
+              <dgm:layoutNode name="circleB">
+                <dgm:alg type="sp"/>
+                <dgm:shape xmlns:r="http://schemas.openxmlformats.org/officeDocument/2006/relationships" type="ellipse" r:blip="">
+                  <dgm:adjLst/>
+                </dgm:shape>
+                <dgm:presOf/>
+                <dgm:constrLst/>
+                <dgm:ruleLst/>
+              </dgm:layoutNode>
+              <dgm:layoutNode name="spaceB">
+                <dgm:alg type="sp"/>
+                <dgm:shape xmlns:r="http://schemas.openxmlformats.org/officeDocument/2006/relationships" r:blip="">
+                  <dgm:adjLst/>
+                </dgm:shape>
+                <dgm:presOf/>
+                <dgm:constrLst/>
+                <dgm:ruleLst/>
+              </dgm:layoutNode>
+            </dgm:layoutNode>
+          </dgm:else>
+        </dgm:choose>
+        <dgm:forEach name="Name14" axis="followSib" ptType="sibTrans" cnt="1">
+          <dgm:layoutNode name="space">
+            <dgm:alg type="sp"/>
+            <dgm:shape xmlns:r="http://schemas.openxmlformats.org/officeDocument/2006/relationships" r:blip="">
+              <dgm:adjLst/>
+            </dgm:shape>
+            <dgm:presOf/>
+            <dgm:constrLst/>
+            <dgm:ruleLst/>
+          </dgm:layoutNode>
+        </dgm:forEach>
+      </dgm:forEach>
+    </dgm:layoutNode>
+  </dgm:layoutNode>
+</dgm:layoutDef>
+</file>
+
 <file path=ppt/diagrams/quickStyle1.xml><?xml version="1.0" encoding="utf-8"?>
 <dgm:styleDef xmlns:dgm="http://schemas.openxmlformats.org/drawingml/2006/diagram" xmlns:a="http://schemas.openxmlformats.org/drawingml/2006/main" uniqueId="urn:microsoft.com/office/officeart/2005/8/quickstyle/simple1">
   <dgm:title val=""/>
@@ -4910,6 +6726,1040 @@
 </file>
 
 <file path=ppt/diagrams/quickStyle2.xml><?xml version="1.0" encoding="utf-8"?>
+<dgm:styleDef xmlns:dgm="http://schemas.openxmlformats.org/drawingml/2006/diagram" xmlns:a="http://schemas.openxmlformats.org/drawingml/2006/main" uniqueId="urn:microsoft.com/office/officeart/2005/8/quickstyle/simple1">
+  <dgm:title val=""/>
+  <dgm:desc val=""/>
+  <dgm:catLst>
+    <dgm:cat type="simple" pri="10100"/>
+  </dgm:catLst>
+  <dgm:scene3d>
+    <a:camera prst="orthographicFront"/>
+    <a:lightRig rig="threePt" dir="t"/>
+  </dgm:scene3d>
+  <dgm:styleLbl name="node0">
+    <dgm:scene3d>
+      <a:camera prst="orthographicFront"/>
+      <a:lightRig rig="threePt" dir="t"/>
+    </dgm:scene3d>
+    <dgm:sp3d/>
+    <dgm:txPr/>
+    <dgm:style>
+      <a:lnRef idx="2">
+        <a:scrgbClr r="0" g="0" b="0"/>
+      </a:lnRef>
+      <a:fillRef idx="1">
+        <a:scrgbClr r="0" g="0" b="0"/>
+      </a:fillRef>
+      <a:effectRef idx="0">
+        <a:scrgbClr r="0" g="0" b="0"/>
+      </a:effectRef>
+      <a:fontRef idx="minor">
+        <a:schemeClr val="lt1"/>
+      </a:fontRef>
+    </dgm:style>
+  </dgm:styleLbl>
+  <dgm:styleLbl name="lnNode1">
+    <dgm:scene3d>
+      <a:camera prst="orthographicFront"/>
+      <a:lightRig rig="threePt" dir="t"/>
+    </dgm:scene3d>
+    <dgm:sp3d/>
+    <dgm:txPr/>
+    <dgm:style>
+      <a:lnRef idx="2">
+        <a:scrgbClr r="0" g="0" b="0"/>
+      </a:lnRef>
+      <a:fillRef idx="1">
+        <a:scrgbClr r="0" g="0" b="0"/>
+      </a:fillRef>
+      <a:effectRef idx="0">
+        <a:scrgbClr r="0" g="0" b="0"/>
+      </a:effectRef>
+      <a:fontRef idx="minor">
+        <a:schemeClr val="lt1"/>
+      </a:fontRef>
+    </dgm:style>
+  </dgm:styleLbl>
+  <dgm:styleLbl name="vennNode1">
+    <dgm:scene3d>
+      <a:camera prst="orthographicFront"/>
+      <a:lightRig rig="threePt" dir="t"/>
+    </dgm:scene3d>
+    <dgm:sp3d/>
+    <dgm:txPr/>
+    <dgm:style>
+      <a:lnRef idx="2">
+        <a:scrgbClr r="0" g="0" b="0"/>
+      </a:lnRef>
+      <a:fillRef idx="1">
+        <a:scrgbClr r="0" g="0" b="0"/>
+      </a:fillRef>
+      <a:effectRef idx="0">
+        <a:scrgbClr r="0" g="0" b="0"/>
+      </a:effectRef>
+      <a:fontRef idx="minor">
+        <a:schemeClr val="tx1"/>
+      </a:fontRef>
+    </dgm:style>
+  </dgm:styleLbl>
+  <dgm:styleLbl name="alignNode1">
+    <dgm:scene3d>
+      <a:camera prst="orthographicFront"/>
+      <a:lightRig rig="threePt" dir="t"/>
+    </dgm:scene3d>
+    <dgm:sp3d/>
+    <dgm:txPr/>
+    <dgm:style>
+      <a:lnRef idx="2">
+        <a:scrgbClr r="0" g="0" b="0"/>
+      </a:lnRef>
+      <a:fillRef idx="1">
+        <a:scrgbClr r="0" g="0" b="0"/>
+      </a:fillRef>
+      <a:effectRef idx="0">
+        <a:scrgbClr r="0" g="0" b="0"/>
+      </a:effectRef>
+      <a:fontRef idx="minor">
+        <a:schemeClr val="lt1"/>
+      </a:fontRef>
+    </dgm:style>
+  </dgm:styleLbl>
+  <dgm:styleLbl name="node1">
+    <dgm:scene3d>
+      <a:camera prst="orthographicFront"/>
+      <a:lightRig rig="threePt" dir="t"/>
+    </dgm:scene3d>
+    <dgm:sp3d/>
+    <dgm:txPr/>
+    <dgm:style>
+      <a:lnRef idx="2">
+        <a:scrgbClr r="0" g="0" b="0"/>
+      </a:lnRef>
+      <a:fillRef idx="1">
+        <a:scrgbClr r="0" g="0" b="0"/>
+      </a:fillRef>
+      <a:effectRef idx="0">
+        <a:scrgbClr r="0" g="0" b="0"/>
+      </a:effectRef>
+      <a:fontRef idx="minor">
+        <a:schemeClr val="lt1"/>
+      </a:fontRef>
+    </dgm:style>
+  </dgm:styleLbl>
+  <dgm:styleLbl name="node2">
+    <dgm:scene3d>
+      <a:camera prst="orthographicFront"/>
+      <a:lightRig rig="threePt" dir="t"/>
+    </dgm:scene3d>
+    <dgm:sp3d/>
+    <dgm:txPr/>
+    <dgm:style>
+      <a:lnRef idx="2">
+        <a:scrgbClr r="0" g="0" b="0"/>
+      </a:lnRef>
+      <a:fillRef idx="1">
+        <a:scrgbClr r="0" g="0" b="0"/>
+      </a:fillRef>
+      <a:effectRef idx="0">
+        <a:scrgbClr r="0" g="0" b="0"/>
+      </a:effectRef>
+      <a:fontRef idx="minor">
+        <a:schemeClr val="lt1"/>
+      </a:fontRef>
+    </dgm:style>
+  </dgm:styleLbl>
+  <dgm:styleLbl name="node3">
+    <dgm:scene3d>
+      <a:camera prst="orthographicFront"/>
+      <a:lightRig rig="threePt" dir="t"/>
+    </dgm:scene3d>
+    <dgm:sp3d/>
+    <dgm:txPr/>
+    <dgm:style>
+      <a:lnRef idx="2">
+        <a:scrgbClr r="0" g="0" b="0"/>
+      </a:lnRef>
+      <a:fillRef idx="1">
+        <a:scrgbClr r="0" g="0" b="0"/>
+      </a:fillRef>
+      <a:effectRef idx="0">
+        <a:scrgbClr r="0" g="0" b="0"/>
+      </a:effectRef>
+      <a:fontRef idx="minor">
+        <a:schemeClr val="lt1"/>
+      </a:fontRef>
+    </dgm:style>
+  </dgm:styleLbl>
+  <dgm:styleLbl name="node4">
+    <dgm:scene3d>
+      <a:camera prst="orthographicFront"/>
+      <a:lightRig rig="threePt" dir="t"/>
+    </dgm:scene3d>
+    <dgm:sp3d/>
+    <dgm:txPr/>
+    <dgm:style>
+      <a:lnRef idx="2">
+        <a:scrgbClr r="0" g="0" b="0"/>
+      </a:lnRef>
+      <a:fillRef idx="1">
+        <a:scrgbClr r="0" g="0" b="0"/>
+      </a:fillRef>
+      <a:effectRef idx="0">
+        <a:scrgbClr r="0" g="0" b="0"/>
+      </a:effectRef>
+      <a:fontRef idx="minor">
+        <a:schemeClr val="lt1"/>
+      </a:fontRef>
+    </dgm:style>
+  </dgm:styleLbl>
+  <dgm:styleLbl name="fgImgPlace1">
+    <dgm:scene3d>
+      <a:camera prst="orthographicFront"/>
+      <a:lightRig rig="threePt" dir="t"/>
+    </dgm:scene3d>
+    <dgm:sp3d/>
+    <dgm:txPr/>
+    <dgm:style>
+      <a:lnRef idx="2">
+        <a:scrgbClr r="0" g="0" b="0"/>
+      </a:lnRef>
+      <a:fillRef idx="1">
+        <a:scrgbClr r="0" g="0" b="0"/>
+      </a:fillRef>
+      <a:effectRef idx="0">
+        <a:scrgbClr r="0" g="0" b="0"/>
+      </a:effectRef>
+      <a:fontRef idx="minor"/>
+    </dgm:style>
+  </dgm:styleLbl>
+  <dgm:styleLbl name="alignImgPlace1">
+    <dgm:scene3d>
+      <a:camera prst="orthographicFront"/>
+      <a:lightRig rig="threePt" dir="t"/>
+    </dgm:scene3d>
+    <dgm:sp3d/>
+    <dgm:txPr/>
+    <dgm:style>
+      <a:lnRef idx="2">
+        <a:scrgbClr r="0" g="0" b="0"/>
+      </a:lnRef>
+      <a:fillRef idx="1">
+        <a:scrgbClr r="0" g="0" b="0"/>
+      </a:fillRef>
+      <a:effectRef idx="0">
+        <a:scrgbClr r="0" g="0" b="0"/>
+      </a:effectRef>
+      <a:fontRef idx="minor"/>
+    </dgm:style>
+  </dgm:styleLbl>
+  <dgm:styleLbl name="bgImgPlace1">
+    <dgm:scene3d>
+      <a:camera prst="orthographicFront"/>
+      <a:lightRig rig="threePt" dir="t"/>
+    </dgm:scene3d>
+    <dgm:sp3d/>
+    <dgm:txPr/>
+    <dgm:style>
+      <a:lnRef idx="2">
+        <a:scrgbClr r="0" g="0" b="0"/>
+      </a:lnRef>
+      <a:fillRef idx="1">
+        <a:scrgbClr r="0" g="0" b="0"/>
+      </a:fillRef>
+      <a:effectRef idx="0">
+        <a:scrgbClr r="0" g="0" b="0"/>
+      </a:effectRef>
+      <a:fontRef idx="minor"/>
+    </dgm:style>
+  </dgm:styleLbl>
+  <dgm:styleLbl name="sibTrans2D1">
+    <dgm:scene3d>
+      <a:camera prst="orthographicFront"/>
+      <a:lightRig rig="threePt" dir="t"/>
+    </dgm:scene3d>
+    <dgm:sp3d/>
+    <dgm:txPr/>
+    <dgm:style>
+      <a:lnRef idx="0">
+        <a:scrgbClr r="0" g="0" b="0"/>
+      </a:lnRef>
+      <a:fillRef idx="1">
+        <a:scrgbClr r="0" g="0" b="0"/>
+      </a:fillRef>
+      <a:effectRef idx="0">
+        <a:scrgbClr r="0" g="0" b="0"/>
+      </a:effectRef>
+      <a:fontRef idx="minor">
+        <a:schemeClr val="lt1"/>
+      </a:fontRef>
+    </dgm:style>
+  </dgm:styleLbl>
+  <dgm:styleLbl name="fgSibTrans2D1">
+    <dgm:scene3d>
+      <a:camera prst="orthographicFront"/>
+      <a:lightRig rig="threePt" dir="t"/>
+    </dgm:scene3d>
+    <dgm:sp3d/>
+    <dgm:txPr/>
+    <dgm:style>
+      <a:lnRef idx="0">
+        <a:scrgbClr r="0" g="0" b="0"/>
+      </a:lnRef>
+      <a:fillRef idx="1">
+        <a:scrgbClr r="0" g="0" b="0"/>
+      </a:fillRef>
+      <a:effectRef idx="0">
+        <a:scrgbClr r="0" g="0" b="0"/>
+      </a:effectRef>
+      <a:fontRef idx="minor">
+        <a:schemeClr val="lt1"/>
+      </a:fontRef>
+    </dgm:style>
+  </dgm:styleLbl>
+  <dgm:styleLbl name="bgSibTrans2D1">
+    <dgm:scene3d>
+      <a:camera prst="orthographicFront"/>
+      <a:lightRig rig="threePt" dir="t"/>
+    </dgm:scene3d>
+    <dgm:sp3d/>
+    <dgm:txPr/>
+    <dgm:style>
+      <a:lnRef idx="0">
+        <a:scrgbClr r="0" g="0" b="0"/>
+      </a:lnRef>
+      <a:fillRef idx="1">
+        <a:scrgbClr r="0" g="0" b="0"/>
+      </a:fillRef>
+      <a:effectRef idx="0">
+        <a:scrgbClr r="0" g="0" b="0"/>
+      </a:effectRef>
+      <a:fontRef idx="minor">
+        <a:schemeClr val="lt1"/>
+      </a:fontRef>
+    </dgm:style>
+  </dgm:styleLbl>
+  <dgm:styleLbl name="sibTrans1D1">
+    <dgm:scene3d>
+      <a:camera prst="orthographicFront"/>
+      <a:lightRig rig="threePt" dir="t"/>
+    </dgm:scene3d>
+    <dgm:sp3d/>
+    <dgm:txPr/>
+    <dgm:style>
+      <a:lnRef idx="1">
+        <a:scrgbClr r="0" g="0" b="0"/>
+      </a:lnRef>
+      <a:fillRef idx="0">
+        <a:scrgbClr r="0" g="0" b="0"/>
+      </a:fillRef>
+      <a:effectRef idx="0">
+        <a:scrgbClr r="0" g="0" b="0"/>
+      </a:effectRef>
+      <a:fontRef idx="minor"/>
+    </dgm:style>
+  </dgm:styleLbl>
+  <dgm:styleLbl name="callout">
+    <dgm:scene3d>
+      <a:camera prst="orthographicFront"/>
+      <a:lightRig rig="threePt" dir="t"/>
+    </dgm:scene3d>
+    <dgm:sp3d/>
+    <dgm:txPr/>
+    <dgm:style>
+      <a:lnRef idx="2">
+        <a:scrgbClr r="0" g="0" b="0"/>
+      </a:lnRef>
+      <a:fillRef idx="1">
+        <a:scrgbClr r="0" g="0" b="0"/>
+      </a:fillRef>
+      <a:effectRef idx="0">
+        <a:scrgbClr r="0" g="0" b="0"/>
+      </a:effectRef>
+      <a:fontRef idx="minor"/>
+    </dgm:style>
+  </dgm:styleLbl>
+  <dgm:styleLbl name="asst0">
+    <dgm:scene3d>
+      <a:camera prst="orthographicFront"/>
+      <a:lightRig rig="threePt" dir="t"/>
+    </dgm:scene3d>
+    <dgm:sp3d/>
+    <dgm:txPr/>
+    <dgm:style>
+      <a:lnRef idx="2">
+        <a:scrgbClr r="0" g="0" b="0"/>
+      </a:lnRef>
+      <a:fillRef idx="1">
+        <a:scrgbClr r="0" g="0" b="0"/>
+      </a:fillRef>
+      <a:effectRef idx="0">
+        <a:scrgbClr r="0" g="0" b="0"/>
+      </a:effectRef>
+      <a:fontRef idx="minor">
+        <a:schemeClr val="lt1"/>
+      </a:fontRef>
+    </dgm:style>
+  </dgm:styleLbl>
+  <dgm:styleLbl name="asst1">
+    <dgm:scene3d>
+      <a:camera prst="orthographicFront"/>
+      <a:lightRig rig="threePt" dir="t"/>
+    </dgm:scene3d>
+    <dgm:sp3d/>
+    <dgm:txPr/>
+    <dgm:style>
+      <a:lnRef idx="2">
+        <a:scrgbClr r="0" g="0" b="0"/>
+      </a:lnRef>
+      <a:fillRef idx="1">
+        <a:scrgbClr r="0" g="0" b="0"/>
+      </a:fillRef>
+      <a:effectRef idx="0">
+        <a:scrgbClr r="0" g="0" b="0"/>
+      </a:effectRef>
+      <a:fontRef idx="minor">
+        <a:schemeClr val="lt1"/>
+      </a:fontRef>
+    </dgm:style>
+  </dgm:styleLbl>
+  <dgm:styleLbl name="asst2">
+    <dgm:scene3d>
+      <a:camera prst="orthographicFront"/>
+      <a:lightRig rig="threePt" dir="t"/>
+    </dgm:scene3d>
+    <dgm:sp3d/>
+    <dgm:txPr/>
+    <dgm:style>
+      <a:lnRef idx="2">
+        <a:scrgbClr r="0" g="0" b="0"/>
+      </a:lnRef>
+      <a:fillRef idx="1">
+        <a:scrgbClr r="0" g="0" b="0"/>
+      </a:fillRef>
+      <a:effectRef idx="0">
+        <a:scrgbClr r="0" g="0" b="0"/>
+      </a:effectRef>
+      <a:fontRef idx="minor">
+        <a:schemeClr val="lt1"/>
+      </a:fontRef>
+    </dgm:style>
+  </dgm:styleLbl>
+  <dgm:styleLbl name="asst3">
+    <dgm:scene3d>
+      <a:camera prst="orthographicFront"/>
+      <a:lightRig rig="threePt" dir="t"/>
+    </dgm:scene3d>
+    <dgm:sp3d/>
+    <dgm:txPr/>
+    <dgm:style>
+      <a:lnRef idx="2">
+        <a:scrgbClr r="0" g="0" b="0"/>
+      </a:lnRef>
+      <a:fillRef idx="1">
+        <a:scrgbClr r="0" g="0" b="0"/>
+      </a:fillRef>
+      <a:effectRef idx="0">
+        <a:scrgbClr r="0" g="0" b="0"/>
+      </a:effectRef>
+      <a:fontRef idx="minor">
+        <a:schemeClr val="lt1"/>
+      </a:fontRef>
+    </dgm:style>
+  </dgm:styleLbl>
+  <dgm:styleLbl name="asst4">
+    <dgm:scene3d>
+      <a:camera prst="orthographicFront"/>
+      <a:lightRig rig="threePt" dir="t"/>
+    </dgm:scene3d>
+    <dgm:sp3d/>
+    <dgm:txPr/>
+    <dgm:style>
+      <a:lnRef idx="2">
+        <a:scrgbClr r="0" g="0" b="0"/>
+      </a:lnRef>
+      <a:fillRef idx="1">
+        <a:scrgbClr r="0" g="0" b="0"/>
+      </a:fillRef>
+      <a:effectRef idx="0">
+        <a:scrgbClr r="0" g="0" b="0"/>
+      </a:effectRef>
+      <a:fontRef idx="minor">
+        <a:schemeClr val="lt1"/>
+      </a:fontRef>
+    </dgm:style>
+  </dgm:styleLbl>
+  <dgm:styleLbl name="parChTrans2D1">
+    <dgm:scene3d>
+      <a:camera prst="orthographicFront"/>
+      <a:lightRig rig="threePt" dir="t"/>
+    </dgm:scene3d>
+    <dgm:sp3d/>
+    <dgm:txPr/>
+    <dgm:style>
+      <a:lnRef idx="2">
+        <a:scrgbClr r="0" g="0" b="0"/>
+      </a:lnRef>
+      <a:fillRef idx="1">
+        <a:scrgbClr r="0" g="0" b="0"/>
+      </a:fillRef>
+      <a:effectRef idx="0">
+        <a:scrgbClr r="0" g="0" b="0"/>
+      </a:effectRef>
+      <a:fontRef idx="minor">
+        <a:schemeClr val="lt1"/>
+      </a:fontRef>
+    </dgm:style>
+  </dgm:styleLbl>
+  <dgm:styleLbl name="parChTrans2D2">
+    <dgm:scene3d>
+      <a:camera prst="orthographicFront"/>
+      <a:lightRig rig="threePt" dir="t"/>
+    </dgm:scene3d>
+    <dgm:sp3d/>
+    <dgm:txPr/>
+    <dgm:style>
+      <a:lnRef idx="2">
+        <a:scrgbClr r="0" g="0" b="0"/>
+      </a:lnRef>
+      <a:fillRef idx="1">
+        <a:scrgbClr r="0" g="0" b="0"/>
+      </a:fillRef>
+      <a:effectRef idx="0">
+        <a:scrgbClr r="0" g="0" b="0"/>
+      </a:effectRef>
+      <a:fontRef idx="minor">
+        <a:schemeClr val="lt1"/>
+      </a:fontRef>
+    </dgm:style>
+  </dgm:styleLbl>
+  <dgm:styleLbl name="parChTrans2D3">
+    <dgm:scene3d>
+      <a:camera prst="orthographicFront"/>
+      <a:lightRig rig="threePt" dir="t"/>
+    </dgm:scene3d>
+    <dgm:sp3d/>
+    <dgm:txPr/>
+    <dgm:style>
+      <a:lnRef idx="2">
+        <a:scrgbClr r="0" g="0" b="0"/>
+      </a:lnRef>
+      <a:fillRef idx="1">
+        <a:scrgbClr r="0" g="0" b="0"/>
+      </a:fillRef>
+      <a:effectRef idx="0">
+        <a:scrgbClr r="0" g="0" b="0"/>
+      </a:effectRef>
+      <a:fontRef idx="minor">
+        <a:schemeClr val="lt1"/>
+      </a:fontRef>
+    </dgm:style>
+  </dgm:styleLbl>
+  <dgm:styleLbl name="parChTrans2D4">
+    <dgm:scene3d>
+      <a:camera prst="orthographicFront"/>
+      <a:lightRig rig="threePt" dir="t"/>
+    </dgm:scene3d>
+    <dgm:sp3d/>
+    <dgm:txPr/>
+    <dgm:style>
+      <a:lnRef idx="2">
+        <a:scrgbClr r="0" g="0" b="0"/>
+      </a:lnRef>
+      <a:fillRef idx="1">
+        <a:scrgbClr r="0" g="0" b="0"/>
+      </a:fillRef>
+      <a:effectRef idx="0">
+        <a:scrgbClr r="0" g="0" b="0"/>
+      </a:effectRef>
+      <a:fontRef idx="minor">
+        <a:schemeClr val="lt1"/>
+      </a:fontRef>
+    </dgm:style>
+  </dgm:styleLbl>
+  <dgm:styleLbl name="parChTrans1D1">
+    <dgm:scene3d>
+      <a:camera prst="orthographicFront"/>
+      <a:lightRig rig="threePt" dir="t"/>
+    </dgm:scene3d>
+    <dgm:sp3d/>
+    <dgm:txPr/>
+    <dgm:style>
+      <a:lnRef idx="2">
+        <a:scrgbClr r="0" g="0" b="0"/>
+      </a:lnRef>
+      <a:fillRef idx="0">
+        <a:scrgbClr r="0" g="0" b="0"/>
+      </a:fillRef>
+      <a:effectRef idx="0">
+        <a:scrgbClr r="0" g="0" b="0"/>
+      </a:effectRef>
+      <a:fontRef idx="minor"/>
+    </dgm:style>
+  </dgm:styleLbl>
+  <dgm:styleLbl name="parChTrans1D2">
+    <dgm:scene3d>
+      <a:camera prst="orthographicFront"/>
+      <a:lightRig rig="threePt" dir="t"/>
+    </dgm:scene3d>
+    <dgm:sp3d/>
+    <dgm:txPr/>
+    <dgm:style>
+      <a:lnRef idx="2">
+        <a:scrgbClr r="0" g="0" b="0"/>
+      </a:lnRef>
+      <a:fillRef idx="0">
+        <a:scrgbClr r="0" g="0" b="0"/>
+      </a:fillRef>
+      <a:effectRef idx="0">
+        <a:scrgbClr r="0" g="0" b="0"/>
+      </a:effectRef>
+      <a:fontRef idx="minor"/>
+    </dgm:style>
+  </dgm:styleLbl>
+  <dgm:styleLbl name="parChTrans1D3">
+    <dgm:scene3d>
+      <a:camera prst="orthographicFront"/>
+      <a:lightRig rig="threePt" dir="t"/>
+    </dgm:scene3d>
+    <dgm:sp3d/>
+    <dgm:txPr/>
+    <dgm:style>
+      <a:lnRef idx="2">
+        <a:scrgbClr r="0" g="0" b="0"/>
+      </a:lnRef>
+      <a:fillRef idx="0">
+        <a:scrgbClr r="0" g="0" b="0"/>
+      </a:fillRef>
+      <a:effectRef idx="0">
+        <a:scrgbClr r="0" g="0" b="0"/>
+      </a:effectRef>
+      <a:fontRef idx="minor"/>
+    </dgm:style>
+  </dgm:styleLbl>
+  <dgm:styleLbl name="parChTrans1D4">
+    <dgm:scene3d>
+      <a:camera prst="orthographicFront"/>
+      <a:lightRig rig="threePt" dir="t"/>
+    </dgm:scene3d>
+    <dgm:sp3d/>
+    <dgm:txPr/>
+    <dgm:style>
+      <a:lnRef idx="2">
+        <a:scrgbClr r="0" g="0" b="0"/>
+      </a:lnRef>
+      <a:fillRef idx="0">
+        <a:scrgbClr r="0" g="0" b="0"/>
+      </a:fillRef>
+      <a:effectRef idx="0">
+        <a:scrgbClr r="0" g="0" b="0"/>
+      </a:effectRef>
+      <a:fontRef idx="minor"/>
+    </dgm:style>
+  </dgm:styleLbl>
+  <dgm:styleLbl name="fgAcc1">
+    <dgm:scene3d>
+      <a:camera prst="orthographicFront"/>
+      <a:lightRig rig="threePt" dir="t"/>
+    </dgm:scene3d>
+    <dgm:sp3d/>
+    <dgm:txPr/>
+    <dgm:style>
+      <a:lnRef idx="2">
+        <a:scrgbClr r="0" g="0" b="0"/>
+      </a:lnRef>
+      <a:fillRef idx="1">
+        <a:scrgbClr r="0" g="0" b="0"/>
+      </a:fillRef>
+      <a:effectRef idx="0">
+        <a:scrgbClr r="0" g="0" b="0"/>
+      </a:effectRef>
+      <a:fontRef idx="minor"/>
+    </dgm:style>
+  </dgm:styleLbl>
+  <dgm:styleLbl name="conFgAcc1">
+    <dgm:scene3d>
+      <a:camera prst="orthographicFront"/>
+      <a:lightRig rig="threePt" dir="t"/>
+    </dgm:scene3d>
+    <dgm:sp3d/>
+    <dgm:txPr/>
+    <dgm:style>
+      <a:lnRef idx="2">
+        <a:scrgbClr r="0" g="0" b="0"/>
+      </a:lnRef>
+      <a:fillRef idx="1">
+        <a:scrgbClr r="0" g="0" b="0"/>
+      </a:fillRef>
+      <a:effectRef idx="0">
+        <a:scrgbClr r="0" g="0" b="0"/>
+      </a:effectRef>
+      <a:fontRef idx="minor"/>
+    </dgm:style>
+  </dgm:styleLbl>
+  <dgm:styleLbl name="alignAcc1">
+    <dgm:scene3d>
+      <a:camera prst="orthographicFront"/>
+      <a:lightRig rig="threePt" dir="t"/>
+    </dgm:scene3d>
+    <dgm:sp3d/>
+    <dgm:txPr/>
+    <dgm:style>
+      <a:lnRef idx="2">
+        <a:scrgbClr r="0" g="0" b="0"/>
+      </a:lnRef>
+      <a:fillRef idx="1">
+        <a:scrgbClr r="0" g="0" b="0"/>
+      </a:fillRef>
+      <a:effectRef idx="0">
+        <a:scrgbClr r="0" g="0" b="0"/>
+      </a:effectRef>
+      <a:fontRef idx="minor"/>
+    </dgm:style>
+  </dgm:styleLbl>
+  <dgm:styleLbl name="trAlignAcc1">
+    <dgm:scene3d>
+      <a:camera prst="orthographicFront"/>
+      <a:lightRig rig="threePt" dir="t"/>
+    </dgm:scene3d>
+    <dgm:sp3d/>
+    <dgm:txPr/>
+    <dgm:style>
+      <a:lnRef idx="1">
+        <a:scrgbClr r="0" g="0" b="0"/>
+      </a:lnRef>
+      <a:fillRef idx="1">
+        <a:scrgbClr r="0" g="0" b="0"/>
+      </a:fillRef>
+      <a:effectRef idx="0">
+        <a:scrgbClr r="0" g="0" b="0"/>
+      </a:effectRef>
+      <a:fontRef idx="minor"/>
+    </dgm:style>
+  </dgm:styleLbl>
+  <dgm:styleLbl name="bgAcc1">
+    <dgm:scene3d>
+      <a:camera prst="orthographicFront"/>
+      <a:lightRig rig="threePt" dir="t"/>
+    </dgm:scene3d>
+    <dgm:sp3d/>
+    <dgm:txPr/>
+    <dgm:style>
+      <a:lnRef idx="2">
+        <a:scrgbClr r="0" g="0" b="0"/>
+      </a:lnRef>
+      <a:fillRef idx="1">
+        <a:scrgbClr r="0" g="0" b="0"/>
+      </a:fillRef>
+      <a:effectRef idx="0">
+        <a:scrgbClr r="0" g="0" b="0"/>
+      </a:effectRef>
+      <a:fontRef idx="minor"/>
+    </dgm:style>
+  </dgm:styleLbl>
+  <dgm:styleLbl name="solidFgAcc1">
+    <dgm:scene3d>
+      <a:camera prst="orthographicFront"/>
+      <a:lightRig rig="threePt" dir="t"/>
+    </dgm:scene3d>
+    <dgm:sp3d/>
+    <dgm:txPr/>
+    <dgm:style>
+      <a:lnRef idx="2">
+        <a:scrgbClr r="0" g="0" b="0"/>
+      </a:lnRef>
+      <a:fillRef idx="1">
+        <a:scrgbClr r="0" g="0" b="0"/>
+      </a:fillRef>
+      <a:effectRef idx="0">
+        <a:scrgbClr r="0" g="0" b="0"/>
+      </a:effectRef>
+      <a:fontRef idx="minor"/>
+    </dgm:style>
+  </dgm:styleLbl>
+  <dgm:styleLbl name="solidAlignAcc1">
+    <dgm:scene3d>
+      <a:camera prst="orthographicFront"/>
+      <a:lightRig rig="threePt" dir="t"/>
+    </dgm:scene3d>
+    <dgm:sp3d/>
+    <dgm:txPr/>
+    <dgm:style>
+      <a:lnRef idx="2">
+        <a:scrgbClr r="0" g="0" b="0"/>
+      </a:lnRef>
+      <a:fillRef idx="1">
+        <a:scrgbClr r="0" g="0" b="0"/>
+      </a:fillRef>
+      <a:effectRef idx="0">
+        <a:scrgbClr r="0" g="0" b="0"/>
+      </a:effectRef>
+      <a:fontRef idx="minor"/>
+    </dgm:style>
+  </dgm:styleLbl>
+  <dgm:styleLbl name="solidBgAcc1">
+    <dgm:scene3d>
+      <a:camera prst="orthographicFront"/>
+      <a:lightRig rig="threePt" dir="t"/>
+    </dgm:scene3d>
+    <dgm:sp3d/>
+    <dgm:txPr/>
+    <dgm:style>
+      <a:lnRef idx="2">
+        <a:scrgbClr r="0" g="0" b="0"/>
+      </a:lnRef>
+      <a:fillRef idx="1">
+        <a:scrgbClr r="0" g="0" b="0"/>
+      </a:fillRef>
+      <a:effectRef idx="0">
+        <a:scrgbClr r="0" g="0" b="0"/>
+      </a:effectRef>
+      <a:fontRef idx="minor"/>
+    </dgm:style>
+  </dgm:styleLbl>
+  <dgm:styleLbl name="fgAccFollowNode1">
+    <dgm:scene3d>
+      <a:camera prst="orthographicFront"/>
+      <a:lightRig rig="threePt" dir="t"/>
+    </dgm:scene3d>
+    <dgm:sp3d/>
+    <dgm:txPr/>
+    <dgm:style>
+      <a:lnRef idx="2">
+        <a:scrgbClr r="0" g="0" b="0"/>
+      </a:lnRef>
+      <a:fillRef idx="1">
+        <a:scrgbClr r="0" g="0" b="0"/>
+      </a:fillRef>
+      <a:effectRef idx="0">
+        <a:scrgbClr r="0" g="0" b="0"/>
+      </a:effectRef>
+      <a:fontRef idx="minor"/>
+    </dgm:style>
+  </dgm:styleLbl>
+  <dgm:styleLbl name="alignAccFollowNode1">
+    <dgm:scene3d>
+      <a:camera prst="orthographicFront"/>
+      <a:lightRig rig="threePt" dir="t"/>
+    </dgm:scene3d>
+    <dgm:sp3d/>
+    <dgm:txPr/>
+    <dgm:style>
+      <a:lnRef idx="2">
+        <a:scrgbClr r="0" g="0" b="0"/>
+      </a:lnRef>
+      <a:fillRef idx="1">
+        <a:scrgbClr r="0" g="0" b="0"/>
+      </a:fillRef>
+      <a:effectRef idx="0">
+        <a:scrgbClr r="0" g="0" b="0"/>
+      </a:effectRef>
+      <a:fontRef idx="minor"/>
+    </dgm:style>
+  </dgm:styleLbl>
+  <dgm:styleLbl name="bgAccFollowNode1">
+    <dgm:scene3d>
+      <a:camera prst="orthographicFront"/>
+      <a:lightRig rig="threePt" dir="t"/>
+    </dgm:scene3d>
+    <dgm:sp3d/>
+    <dgm:txPr/>
+    <dgm:style>
+      <a:lnRef idx="2">
+        <a:scrgbClr r="0" g="0" b="0"/>
+      </a:lnRef>
+      <a:fillRef idx="1">
+        <a:scrgbClr r="0" g="0" b="0"/>
+      </a:fillRef>
+      <a:effectRef idx="0">
+        <a:scrgbClr r="0" g="0" b="0"/>
+      </a:effectRef>
+      <a:fontRef idx="minor"/>
+    </dgm:style>
+  </dgm:styleLbl>
+  <dgm:styleLbl name="fgAcc0">
+    <dgm:scene3d>
+      <a:camera prst="orthographicFront"/>
+      <a:lightRig rig="threePt" dir="t"/>
+    </dgm:scene3d>
+    <dgm:sp3d/>
+    <dgm:txPr/>
+    <dgm:style>
+      <a:lnRef idx="2">
+        <a:scrgbClr r="0" g="0" b="0"/>
+      </a:lnRef>
+      <a:fillRef idx="1">
+        <a:scrgbClr r="0" g="0" b="0"/>
+      </a:fillRef>
+      <a:effectRef idx="0">
+        <a:scrgbClr r="0" g="0" b="0"/>
+      </a:effectRef>
+      <a:fontRef idx="minor"/>
+    </dgm:style>
+  </dgm:styleLbl>
+  <dgm:styleLbl name="fgAcc2">
+    <dgm:scene3d>
+      <a:camera prst="orthographicFront"/>
+      <a:lightRig rig="threePt" dir="t"/>
+    </dgm:scene3d>
+    <dgm:sp3d/>
+    <dgm:txPr/>
+    <dgm:style>
+      <a:lnRef idx="2">
+        <a:scrgbClr r="0" g="0" b="0"/>
+      </a:lnRef>
+      <a:fillRef idx="1">
+        <a:scrgbClr r="0" g="0" b="0"/>
+      </a:fillRef>
+      <a:effectRef idx="0">
+        <a:scrgbClr r="0" g="0" b="0"/>
+      </a:effectRef>
+      <a:fontRef idx="minor"/>
+    </dgm:style>
+  </dgm:styleLbl>
+  <dgm:styleLbl name="fgAcc3">
+    <dgm:scene3d>
+      <a:camera prst="orthographicFront"/>
+      <a:lightRig rig="threePt" dir="t"/>
+    </dgm:scene3d>
+    <dgm:sp3d/>
+    <dgm:txPr/>
+    <dgm:style>
+      <a:lnRef idx="2">
+        <a:scrgbClr r="0" g="0" b="0"/>
+      </a:lnRef>
+      <a:fillRef idx="1">
+        <a:scrgbClr r="0" g="0" b="0"/>
+      </a:fillRef>
+      <a:effectRef idx="0">
+        <a:scrgbClr r="0" g="0" b="0"/>
+      </a:effectRef>
+      <a:fontRef idx="minor"/>
+    </dgm:style>
+  </dgm:styleLbl>
+  <dgm:styleLbl name="fgAcc4">
+    <dgm:scene3d>
+      <a:camera prst="orthographicFront"/>
+      <a:lightRig rig="threePt" dir="t"/>
+    </dgm:scene3d>
+    <dgm:sp3d/>
+    <dgm:txPr/>
+    <dgm:style>
+      <a:lnRef idx="2">
+        <a:scrgbClr r="0" g="0" b="0"/>
+      </a:lnRef>
+      <a:fillRef idx="1">
+        <a:scrgbClr r="0" g="0" b="0"/>
+      </a:fillRef>
+      <a:effectRef idx="0">
+        <a:scrgbClr r="0" g="0" b="0"/>
+      </a:effectRef>
+      <a:fontRef idx="minor"/>
+    </dgm:style>
+  </dgm:styleLbl>
+  <dgm:styleLbl name="bgShp">
+    <dgm:scene3d>
+      <a:camera prst="orthographicFront"/>
+      <a:lightRig rig="threePt" dir="t"/>
+    </dgm:scene3d>
+    <dgm:sp3d/>
+    <dgm:txPr/>
+    <dgm:style>
+      <a:lnRef idx="0">
+        <a:scrgbClr r="0" g="0" b="0"/>
+      </a:lnRef>
+      <a:fillRef idx="1">
+        <a:scrgbClr r="0" g="0" b="0"/>
+      </a:fillRef>
+      <a:effectRef idx="0">
+        <a:scrgbClr r="0" g="0" b="0"/>
+      </a:effectRef>
+      <a:fontRef idx="minor"/>
+    </dgm:style>
+  </dgm:styleLbl>
+  <dgm:styleLbl name="dkBgShp">
+    <dgm:scene3d>
+      <a:camera prst="orthographicFront"/>
+      <a:lightRig rig="threePt" dir="t"/>
+    </dgm:scene3d>
+    <dgm:sp3d/>
+    <dgm:txPr/>
+    <dgm:style>
+      <a:lnRef idx="0">
+        <a:scrgbClr r="0" g="0" b="0"/>
+      </a:lnRef>
+      <a:fillRef idx="1">
+        <a:scrgbClr r="0" g="0" b="0"/>
+      </a:fillRef>
+      <a:effectRef idx="0">
+        <a:scrgbClr r="0" g="0" b="0"/>
+      </a:effectRef>
+      <a:fontRef idx="minor"/>
+    </dgm:style>
+  </dgm:styleLbl>
+  <dgm:styleLbl name="trBgShp">
+    <dgm:scene3d>
+      <a:camera prst="orthographicFront"/>
+      <a:lightRig rig="threePt" dir="t"/>
+    </dgm:scene3d>
+    <dgm:sp3d/>
+    <dgm:txPr/>
+    <dgm:style>
+      <a:lnRef idx="0">
+        <a:scrgbClr r="0" g="0" b="0"/>
+      </a:lnRef>
+      <a:fillRef idx="1">
+        <a:scrgbClr r="0" g="0" b="0"/>
+      </a:fillRef>
+      <a:effectRef idx="0">
+        <a:scrgbClr r="0" g="0" b="0"/>
+      </a:effectRef>
+      <a:fontRef idx="minor"/>
+    </dgm:style>
+  </dgm:styleLbl>
+  <dgm:styleLbl name="fgShp">
+    <dgm:scene3d>
+      <a:camera prst="orthographicFront"/>
+      <a:lightRig rig="threePt" dir="t"/>
+    </dgm:scene3d>
+    <dgm:sp3d/>
+    <dgm:txPr/>
+    <dgm:style>
+      <a:lnRef idx="2">
+        <a:scrgbClr r="0" g="0" b="0"/>
+      </a:lnRef>
+      <a:fillRef idx="1">
+        <a:scrgbClr r="0" g="0" b="0"/>
+      </a:fillRef>
+      <a:effectRef idx="0">
+        <a:scrgbClr r="0" g="0" b="0"/>
+      </a:effectRef>
+      <a:fontRef idx="minor"/>
+    </dgm:style>
+  </dgm:styleLbl>
+  <dgm:styleLbl name="revTx">
+    <dgm:scene3d>
+      <a:camera prst="orthographicFront"/>
+      <a:lightRig rig="threePt" dir="t"/>
+    </dgm:scene3d>
+    <dgm:sp3d/>
+    <dgm:txPr/>
+    <dgm:style>
+      <a:lnRef idx="0">
+        <a:scrgbClr r="0" g="0" b="0"/>
+      </a:lnRef>
+      <a:fillRef idx="0">
+        <a:scrgbClr r="0" g="0" b="0"/>
+      </a:fillRef>
+      <a:effectRef idx="0">
+        <a:scrgbClr r="0" g="0" b="0"/>
+      </a:effectRef>
+      <a:fontRef idx="minor"/>
+    </dgm:style>
+  </dgm:styleLbl>
+</dgm:styleDef>
+</file>
+
+<file path=ppt/diagrams/quickStyle3.xml><?xml version="1.0" encoding="utf-8"?>
 <dgm:styleDef xmlns:dgm="http://schemas.openxmlformats.org/drawingml/2006/diagram" xmlns:a="http://schemas.openxmlformats.org/drawingml/2006/main" uniqueId="urn:microsoft.com/office/officeart/2005/8/quickstyle/simple1">
   <dgm:title val=""/>
   <dgm:desc val=""/>
@@ -6025,7 +8875,7 @@
           <a:p>
             <a:fld id="{80680FBE-A8DF-4758-9AC4-3A9E1039168F}" type="datetimeFigureOut">
               <a:rPr lang="en-US" smtClean="0"/>
-              <a:t>6/16/2022</a:t>
+              <a:t>6/17/2022</a:t>
             </a:fld>
             <a:endParaRPr lang="en-US" dirty="0"/>
           </a:p>
@@ -6190,7 +9040,7 @@
           <a:p>
             <a:fld id="{EC13577B-6902-467D-A26C-08A0DD5E4E03}" type="datetimeFigureOut">
               <a:rPr lang="en-US" smtClean="0"/>
-              <a:t>6/16/2022</a:t>
+              <a:t>6/17/2022</a:t>
             </a:fld>
             <a:endParaRPr lang="en-US" dirty="0"/>
           </a:p>
@@ -6606,7 +9456,7 @@
           <a:p>
             <a:fld id="{F7021451-1387-4CA6-816F-3879F97B5CBC}" type="slidenum">
               <a:rPr lang="en-US" smtClean="0"/>
-              <a:t>15</a:t>
+              <a:t>16</a:t>
             </a:fld>
             <a:endParaRPr lang="en-US"/>
           </a:p>
@@ -7203,7 +10053,7 @@
     </p:spTree>
     <p:extLst>
       <p:ext uri="{BB962C8B-B14F-4D97-AF65-F5344CB8AC3E}">
-        <p14:creationId xmlns:p14="http://schemas.microsoft.com/office/powerpoint/2010/main" val="1024086991"/>
+        <p14:creationId xmlns:p14="http://schemas.microsoft.com/office/powerpoint/2010/main" val="2386890702"/>
       </p:ext>
     </p:extLst>
   </p:cSld>
@@ -7736,7 +10586,7 @@
             <a:fld id="{8BEEBAAA-29B5-4AF5-BC5F-7E580C29002D}" type="datetimeFigureOut">
               <a:rPr lang="en-US" smtClean="0"/>
               <a:pPr/>
-              <a:t>6/16/2022</a:t>
+              <a:t>6/17/2022</a:t>
             </a:fld>
             <a:endParaRPr lang="en-US" dirty="0"/>
           </a:p>
@@ -8542,7 +11392,7 @@
             <a:fld id="{8BEEBAAA-29B5-4AF5-BC5F-7E580C29002D}" type="datetimeFigureOut">
               <a:rPr lang="en-US" smtClean="0"/>
               <a:pPr/>
-              <a:t>6/16/2022</a:t>
+              <a:t>6/17/2022</a:t>
             </a:fld>
             <a:endParaRPr lang="en-US" dirty="0"/>
           </a:p>
@@ -9157,7 +12007,7 @@
                   <a:srgbClr val="275F19"/>
                 </a:solidFill>
               </a:rPr>
-              <a:t>Roberto Freato – Azure MVP / CTO @Witailer</a:t>
+              <a:t>Roberto Freato</a:t>
             </a:r>
           </a:p>
         </p:txBody>
@@ -9194,7 +12044,7 @@
       </p:grpSpPr>
       <p:pic>
         <p:nvPicPr>
-          <p:cNvPr id="2" name="Object 1" descr="/tmp/beautiful_ai_exports/094e8761-2dbc-4859-834a-c42af4c6d045.jpg"/>
+          <p:cNvPr id="2" name="Object 1" descr="/tmp/beautiful_ai_exports/47935b61-a253-4997-87a3-4c4195d21145.jpg"/>
           <p:cNvPicPr>
             <a:picLocks noChangeAspect="1"/>
           </p:cNvPicPr>
@@ -9290,7 +12140,7 @@
       </p:grpSpPr>
       <p:pic>
         <p:nvPicPr>
-          <p:cNvPr id="2" name="Object 1" descr="/tmp/beautiful_ai_exports/47935b61-a253-4997-87a3-4c4195d21145.jpg"/>
+          <p:cNvPr id="2" name="Object 1" descr="/tmp/beautiful_ai_exports/d336bf8c-e6dc-47e6-869c-31dc05756954.jpg"/>
           <p:cNvPicPr>
             <a:picLocks noChangeAspect="1"/>
           </p:cNvPicPr>
@@ -9338,7 +12188,7 @@
       </p:grpSpPr>
       <p:pic>
         <p:nvPicPr>
-          <p:cNvPr id="2" name="Object 1" descr="/tmp/beautiful_ai_exports/d336bf8c-e6dc-47e6-869c-31dc05756954.jpg"/>
+          <p:cNvPr id="2" name="Object 1" descr="/tmp/beautiful_ai_exports/014b245b-5903-424a-be61-9293bfaf6426.jpg"/>
           <p:cNvPicPr>
             <a:picLocks noChangeAspect="1"/>
           </p:cNvPicPr>
@@ -9360,6 +12210,11 @@
         </p:spPr>
       </p:pic>
     </p:spTree>
+    <p:extLst>
+      <p:ext uri="{BB962C8B-B14F-4D97-AF65-F5344CB8AC3E}">
+        <p14:creationId xmlns:p14="http://schemas.microsoft.com/office/powerpoint/2010/main" val="2205252618"/>
+      </p:ext>
+    </p:extLst>
   </p:cSld>
   <p:clrMapOvr>
     <a:masterClrMapping/>
@@ -9432,6 +12287,164 @@
           <a:chExt cx="0" cy="0"/>
         </a:xfrm>
       </p:grpSpPr>
+      <p:sp>
+        <p:nvSpPr>
+          <p:cNvPr id="8" name="Title 7"/>
+          <p:cNvSpPr>
+            <a:spLocks noGrp="1"/>
+          </p:cNvSpPr>
+          <p:nvPr>
+            <p:ph type="title"/>
+          </p:nvPr>
+        </p:nvSpPr>
+        <p:spPr>
+          <a:xfrm>
+            <a:off x="521207" y="448056"/>
+            <a:ext cx="8702803" cy="640080"/>
+          </a:xfrm>
+        </p:spPr>
+        <p:txBody>
+          <a:bodyPr>
+            <a:noAutofit/>
+          </a:bodyPr>
+          <a:lstStyle/>
+          <a:p>
+            <a:r>
+              <a:rPr lang="en-US" dirty="0">
+                <a:latin typeface="Segoe UI Light" panose="020B0502040204020203" pitchFamily="34" charset="0"/>
+                <a:cs typeface="Segoe UI Light" panose="020B0502040204020203" pitchFamily="34" charset="0"/>
+              </a:rPr>
+              <a:t>how we evolved and scaled the Data Platform</a:t>
+            </a:r>
+          </a:p>
+        </p:txBody>
+      </p:sp>
+      <p:graphicFrame>
+        <p:nvGraphicFramePr>
+          <p:cNvPr id="2" name="Diagram 1">
+            <a:extLst>
+              <a:ext uri="{FF2B5EF4-FFF2-40B4-BE49-F238E27FC236}">
+                <a16:creationId xmlns:a16="http://schemas.microsoft.com/office/drawing/2014/main" id="{899A3DF2-0CBA-51EE-EDCF-CC78E08CAAD5}"/>
+              </a:ext>
+            </a:extLst>
+          </p:cNvPr>
+          <p:cNvGraphicFramePr/>
+          <p:nvPr/>
+        </p:nvGraphicFramePr>
+        <p:xfrm>
+          <a:off x="547246" y="2639683"/>
+          <a:ext cx="11055281" cy="1825125"/>
+        </p:xfrm>
+        <a:graphic>
+          <a:graphicData uri="http://schemas.openxmlformats.org/drawingml/2006/diagram">
+            <dgm:relIds xmlns:dgm="http://schemas.openxmlformats.org/drawingml/2006/diagram" xmlns:r="http://schemas.openxmlformats.org/officeDocument/2006/relationships" r:dm="rId2" r:lo="rId3" r:qs="rId4" r:cs="rId5"/>
+          </a:graphicData>
+        </a:graphic>
+      </p:graphicFrame>
+      <p:pic>
+        <p:nvPicPr>
+          <p:cNvPr id="4" name="Picture 3">
+            <a:extLst>
+              <a:ext uri="{FF2B5EF4-FFF2-40B4-BE49-F238E27FC236}">
+                <a16:creationId xmlns:a16="http://schemas.microsoft.com/office/drawing/2014/main" id="{8BC164A5-4F07-8785-B236-C55966836D8A}"/>
+              </a:ext>
+            </a:extLst>
+          </p:cNvPr>
+          <p:cNvPicPr>
+            <a:picLocks noChangeAspect="1"/>
+          </p:cNvPicPr>
+          <p:nvPr/>
+        </p:nvPicPr>
+        <p:blipFill>
+          <a:blip r:embed="rId7"/>
+          <a:stretch>
+            <a:fillRect/>
+          </a:stretch>
+        </p:blipFill>
+        <p:spPr>
+          <a:xfrm>
+            <a:off x="161826" y="1851660"/>
+            <a:ext cx="11868347" cy="3595634"/>
+          </a:xfrm>
+          <a:prstGeom prst="rect">
+            <a:avLst/>
+          </a:prstGeom>
+        </p:spPr>
+      </p:pic>
+      <p:sp>
+        <p:nvSpPr>
+          <p:cNvPr id="6" name="TextBox 5">
+            <a:extLst>
+              <a:ext uri="{FF2B5EF4-FFF2-40B4-BE49-F238E27FC236}">
+                <a16:creationId xmlns:a16="http://schemas.microsoft.com/office/drawing/2014/main" id="{E3F32E21-9C9F-F9ED-1097-9AFB06B190E1}"/>
+              </a:ext>
+            </a:extLst>
+          </p:cNvPr>
+          <p:cNvSpPr txBox="1"/>
+          <p:nvPr/>
+        </p:nvSpPr>
+        <p:spPr>
+          <a:xfrm>
+            <a:off x="10831830" y="6627168"/>
+            <a:ext cx="1360170" cy="230832"/>
+          </a:xfrm>
+          <a:prstGeom prst="rect">
+            <a:avLst/>
+          </a:prstGeom>
+          <a:noFill/>
+        </p:spPr>
+        <p:txBody>
+          <a:bodyPr wrap="square" rtlCol="0">
+            <a:spAutoFit/>
+          </a:bodyPr>
+          <a:lstStyle/>
+          <a:p>
+            <a:r>
+              <a:rPr lang="it-IT" sz="900" dirty="0"/>
+              <a:t>Even in the back seats?</a:t>
+            </a:r>
+            <a:endParaRPr lang="en-US" sz="900" dirty="0"/>
+          </a:p>
+        </p:txBody>
+      </p:sp>
+    </p:spTree>
+    <p:extLst>
+      <p:ext uri="{BB962C8B-B14F-4D97-AF65-F5344CB8AC3E}">
+        <p14:creationId xmlns:p14="http://schemas.microsoft.com/office/powerpoint/2010/main" val="2354751095"/>
+      </p:ext>
+    </p:extLst>
+  </p:cSld>
+  <p:clrMapOvr>
+    <a:masterClrMapping/>
+  </p:clrMapOvr>
+  <mc:AlternateContent xmlns:mc="http://schemas.openxmlformats.org/markup-compatibility/2006" xmlns:p14="http://schemas.microsoft.com/office/powerpoint/2010/main">
+    <mc:Choice Requires="p14">
+      <p:transition p14:dur="10"/>
+    </mc:Choice>
+    <mc:Fallback xmlns="">
+      <p:transition/>
+    </mc:Fallback>
+  </mc:AlternateContent>
+</p:sld>
+</file>
+
+<file path=ppt/slides/slide16.xml><?xml version="1.0" encoding="utf-8"?>
+<p:sld xmlns:a="http://schemas.openxmlformats.org/drawingml/2006/main" xmlns:r="http://schemas.openxmlformats.org/officeDocument/2006/relationships" xmlns:p="http://schemas.openxmlformats.org/presentationml/2006/main">
+  <p:cSld>
+    <p:spTree>
+      <p:nvGrpSpPr>
+        <p:cNvPr id="1" name=""/>
+        <p:cNvGrpSpPr/>
+        <p:nvPr/>
+      </p:nvGrpSpPr>
+      <p:grpSpPr>
+        <a:xfrm>
+          <a:off x="0" y="0"/>
+          <a:ext cx="0" cy="0"/>
+          <a:chOff x="0" y="0"/>
+          <a:chExt cx="0" cy="0"/>
+        </a:xfrm>
+      </p:grpSpPr>
       <p:pic>
         <p:nvPicPr>
           <p:cNvPr id="2" name="Object 1" descr="/tmp/beautiful_ai_exports/1e5de0fd-b614-4886-a8f2-ef512f978502.jpg"/>
@@ -9463,7 +12476,7 @@
 </p:sld>
 </file>
 
-<file path=ppt/slides/slide16.xml><?xml version="1.0" encoding="utf-8"?>
+<file path=ppt/slides/slide17.xml><?xml version="1.0" encoding="utf-8"?>
 <p:sld xmlns:a="http://schemas.openxmlformats.org/drawingml/2006/main" xmlns:r="http://schemas.openxmlformats.org/officeDocument/2006/relationships" xmlns:p="http://schemas.openxmlformats.org/presentationml/2006/main">
   <p:cSld>
     <p:spTree>
@@ -9737,7 +12750,7 @@
           <a:p>
             <a:r>
               <a:rPr lang="it-IT" dirty="0"/>
-              <a:t>once upon a time</a:t>
+              <a:t>once upon a time, there was</a:t>
             </a:r>
             <a:endParaRPr lang="en-US" dirty="0"/>
           </a:p>
@@ -9759,7 +12772,7 @@
             <p:ph sz="quarter" idx="10"/>
             <p:extLst>
               <p:ext uri="{D42A27DB-BD31-4B8C-83A1-F6EECF244321}">
-                <p14:modId xmlns:p14="http://schemas.microsoft.com/office/powerpoint/2010/main" val="1038161682"/>
+                <p14:modId xmlns:p14="http://schemas.microsoft.com/office/powerpoint/2010/main" val="3912104926"/>
               </p:ext>
             </p:extLst>
           </p:nvPr>
@@ -10579,56 +13592,150 @@
           <a:chExt cx="0" cy="0"/>
         </a:xfrm>
       </p:grpSpPr>
-      <p:sp>
-        <p:nvSpPr>
-          <p:cNvPr id="2" name="Title 1">
+      <p:pic>
+        <p:nvPicPr>
+          <p:cNvPr id="20" name="Picture Placeholder 19" descr="A person standing in front of a large green banner&#10;&#10;Description automatically generated with low confidence">
             <a:extLst>
               <a:ext uri="{FF2B5EF4-FFF2-40B4-BE49-F238E27FC236}">
-                <a16:creationId xmlns:a16="http://schemas.microsoft.com/office/drawing/2014/main" id="{7E442BD4-0AAD-2248-70BC-B91DCA4F97AE}"/>
+                <a16:creationId xmlns:a16="http://schemas.microsoft.com/office/drawing/2014/main" id="{4F5691A2-47AA-C237-1E06-C9D88560FA00}"/>
               </a:ext>
             </a:extLst>
           </p:cNvPr>
-          <p:cNvSpPr>
-            <a:spLocks noGrp="1"/>
-          </p:cNvSpPr>
+          <p:cNvPicPr>
+            <a:picLocks noGrp="1" noChangeAspect="1"/>
+          </p:cNvPicPr>
           <p:nvPr>
-            <p:ph type="title"/>
+            <p:ph type="pic" sz="quarter" idx="14"/>
           </p:nvPr>
-        </p:nvSpPr>
-        <p:spPr/>
-        <p:txBody>
-          <a:bodyPr/>
-          <a:lstStyle/>
-          <a:p>
-            <a:endParaRPr lang="en-US"/>
-          </a:p>
-        </p:txBody>
-      </p:sp>
-      <p:sp>
-        <p:nvSpPr>
-          <p:cNvPr id="3" name="Content Placeholder 2">
+        </p:nvPicPr>
+        <p:blipFill>
+          <a:blip r:embed="rId2">
+            <a:extLst>
+              <a:ext uri="{28A0092B-C50C-407E-A947-70E740481C1C}">
+                <a14:useLocalDpi xmlns:a14="http://schemas.microsoft.com/office/drawing/2010/main" val="0"/>
+              </a:ext>
+            </a:extLst>
+          </a:blip>
+          <a:srcRect t="16441" b="16441"/>
+          <a:stretch>
+            <a:fillRect/>
+          </a:stretch>
+        </p:blipFill>
+        <p:spPr>
+          <a:xfrm>
+            <a:off x="-1119840" y="0"/>
+            <a:ext cx="13834047" cy="6964680"/>
+          </a:xfrm>
+        </p:spPr>
+      </p:pic>
+      <p:pic>
+        <p:nvPicPr>
+          <p:cNvPr id="13" name="Picture 12" descr="A person standing in front of a large screen&#10;&#10;Description automatically generated with low confidence">
             <a:extLst>
               <a:ext uri="{FF2B5EF4-FFF2-40B4-BE49-F238E27FC236}">
-                <a16:creationId xmlns:a16="http://schemas.microsoft.com/office/drawing/2014/main" id="{60A7A88D-8B23-67D4-31E0-117D423E409A}"/>
+                <a16:creationId xmlns:a16="http://schemas.microsoft.com/office/drawing/2014/main" id="{5E1D13E4-F8EC-9B07-6B29-BF6391CAFEF2}"/>
               </a:ext>
             </a:extLst>
           </p:cNvPr>
-          <p:cNvSpPr>
-            <a:spLocks noGrp="1"/>
-          </p:cNvSpPr>
-          <p:nvPr>
-            <p:ph sz="quarter" idx="10"/>
-          </p:nvPr>
-        </p:nvSpPr>
-        <p:spPr/>
-        <p:txBody>
-          <a:bodyPr/>
-          <a:lstStyle/>
-          <a:p>
-            <a:endParaRPr lang="en-US"/>
-          </a:p>
-        </p:txBody>
-      </p:sp>
+          <p:cNvPicPr>
+            <a:picLocks noChangeAspect="1"/>
+          </p:cNvPicPr>
+          <p:nvPr/>
+        </p:nvPicPr>
+        <p:blipFill>
+          <a:blip r:embed="rId3">
+            <a:extLst>
+              <a:ext uri="{28A0092B-C50C-407E-A947-70E740481C1C}">
+                <a14:useLocalDpi xmlns:a14="http://schemas.microsoft.com/office/drawing/2010/main" val="0"/>
+              </a:ext>
+            </a:extLst>
+          </a:blip>
+          <a:stretch>
+            <a:fillRect/>
+          </a:stretch>
+        </p:blipFill>
+        <p:spPr>
+          <a:xfrm>
+            <a:off x="5606" y="-822960"/>
+            <a:ext cx="12192000" cy="9144000"/>
+          </a:xfrm>
+          <a:prstGeom prst="rect">
+            <a:avLst/>
+          </a:prstGeom>
+        </p:spPr>
+      </p:pic>
+      <p:pic>
+        <p:nvPicPr>
+          <p:cNvPr id="22" name="Picture 21" descr="Graphical user interface&#10;&#10;Description automatically generated">
+            <a:extLst>
+              <a:ext uri="{FF2B5EF4-FFF2-40B4-BE49-F238E27FC236}">
+                <a16:creationId xmlns:a16="http://schemas.microsoft.com/office/drawing/2014/main" id="{4B3F89C3-775D-958A-760A-9D7454AE318F}"/>
+              </a:ext>
+            </a:extLst>
+          </p:cNvPr>
+          <p:cNvPicPr>
+            <a:picLocks noChangeAspect="1"/>
+          </p:cNvPicPr>
+          <p:nvPr/>
+        </p:nvPicPr>
+        <p:blipFill>
+          <a:blip r:embed="rId4">
+            <a:extLst>
+              <a:ext uri="{28A0092B-C50C-407E-A947-70E740481C1C}">
+                <a14:useLocalDpi xmlns:a14="http://schemas.microsoft.com/office/drawing/2010/main" val="0"/>
+              </a:ext>
+            </a:extLst>
+          </a:blip>
+          <a:stretch>
+            <a:fillRect/>
+          </a:stretch>
+        </p:blipFill>
+        <p:spPr>
+          <a:xfrm>
+            <a:off x="-183585" y="-7863841"/>
+            <a:ext cx="12381191" cy="16551359"/>
+          </a:xfrm>
+          <a:prstGeom prst="rect">
+            <a:avLst/>
+          </a:prstGeom>
+        </p:spPr>
+      </p:pic>
+      <p:pic>
+        <p:nvPicPr>
+          <p:cNvPr id="15" name="Picture 14" descr="A person standing in front of a large screen&#10;&#10;Description automatically generated with medium confidence">
+            <a:extLst>
+              <a:ext uri="{FF2B5EF4-FFF2-40B4-BE49-F238E27FC236}">
+                <a16:creationId xmlns:a16="http://schemas.microsoft.com/office/drawing/2014/main" id="{4A47D7AA-3B31-F082-16C4-E61CC44065A2}"/>
+              </a:ext>
+            </a:extLst>
+          </p:cNvPr>
+          <p:cNvPicPr>
+            <a:picLocks noChangeAspect="1"/>
+          </p:cNvPicPr>
+          <p:nvPr/>
+        </p:nvPicPr>
+        <p:blipFill>
+          <a:blip r:embed="rId5">
+            <a:extLst>
+              <a:ext uri="{28A0092B-C50C-407E-A947-70E740481C1C}">
+                <a14:useLocalDpi xmlns:a14="http://schemas.microsoft.com/office/drawing/2010/main" val="0"/>
+              </a:ext>
+            </a:extLst>
+          </a:blip>
+          <a:stretch>
+            <a:fillRect/>
+          </a:stretch>
+        </p:blipFill>
+        <p:spPr>
+          <a:xfrm>
+            <a:off x="-5606" y="-822960"/>
+            <a:ext cx="12192000" cy="9144000"/>
+          </a:xfrm>
+          <a:prstGeom prst="rect">
+            <a:avLst/>
+          </a:prstGeom>
+        </p:spPr>
+      </p:pic>
     </p:spTree>
     <p:extLst>
       <p:ext uri="{BB962C8B-B14F-4D97-AF65-F5344CB8AC3E}">
@@ -10639,6 +13746,171 @@
   <p:clrMapOvr>
     <a:masterClrMapping/>
   </p:clrMapOvr>
+  <p:timing>
+    <p:tnLst>
+      <p:par>
+        <p:cTn id="1" dur="indefinite" restart="never" nodeType="tmRoot">
+          <p:childTnLst>
+            <p:seq concurrent="1" nextAc="seek">
+              <p:cTn id="2" dur="indefinite" nodeType="mainSeq">
+                <p:childTnLst>
+                  <p:par>
+                    <p:cTn id="3" fill="hold">
+                      <p:stCondLst>
+                        <p:cond delay="indefinite"/>
+                      </p:stCondLst>
+                      <p:childTnLst>
+                        <p:par>
+                          <p:cTn id="4" fill="hold">
+                            <p:stCondLst>
+                              <p:cond delay="0"/>
+                            </p:stCondLst>
+                            <p:childTnLst>
+                              <p:par>
+                                <p:cTn id="5" presetID="1" presetClass="entr" presetSubtype="0" fill="hold" nodeType="clickEffect">
+                                  <p:stCondLst>
+                                    <p:cond delay="0"/>
+                                  </p:stCondLst>
+                                  <p:childTnLst>
+                                    <p:set>
+                                      <p:cBhvr>
+                                        <p:cTn id="6" dur="1" fill="hold">
+                                          <p:stCondLst>
+                                            <p:cond delay="0"/>
+                                          </p:stCondLst>
+                                        </p:cTn>
+                                        <p:tgtEl>
+                                          <p:spTgt spid="13"/>
+                                        </p:tgtEl>
+                                        <p:attrNameLst>
+                                          <p:attrName>style.visibility</p:attrName>
+                                        </p:attrNameLst>
+                                      </p:cBhvr>
+                                      <p:to>
+                                        <p:strVal val="visible"/>
+                                      </p:to>
+                                    </p:set>
+                                  </p:childTnLst>
+                                </p:cTn>
+                              </p:par>
+                            </p:childTnLst>
+                          </p:cTn>
+                        </p:par>
+                      </p:childTnLst>
+                    </p:cTn>
+                  </p:par>
+                  <p:par>
+                    <p:cTn id="7" fill="hold">
+                      <p:stCondLst>
+                        <p:cond delay="indefinite"/>
+                      </p:stCondLst>
+                      <p:childTnLst>
+                        <p:par>
+                          <p:cTn id="8" fill="hold">
+                            <p:stCondLst>
+                              <p:cond delay="0"/>
+                            </p:stCondLst>
+                            <p:childTnLst>
+                              <p:par>
+                                <p:cTn id="9" presetID="1" presetClass="entr" presetSubtype="0" fill="hold" nodeType="clickEffect">
+                                  <p:stCondLst>
+                                    <p:cond delay="0"/>
+                                  </p:stCondLst>
+                                  <p:childTnLst>
+                                    <p:set>
+                                      <p:cBhvr>
+                                        <p:cTn id="10" dur="1" fill="hold">
+                                          <p:stCondLst>
+                                            <p:cond delay="0"/>
+                                          </p:stCondLst>
+                                        </p:cTn>
+                                        <p:tgtEl>
+                                          <p:spTgt spid="22"/>
+                                        </p:tgtEl>
+                                        <p:attrNameLst>
+                                          <p:attrName>style.visibility</p:attrName>
+                                        </p:attrNameLst>
+                                      </p:cBhvr>
+                                      <p:to>
+                                        <p:strVal val="visible"/>
+                                      </p:to>
+                                    </p:set>
+                                  </p:childTnLst>
+                                </p:cTn>
+                              </p:par>
+                            </p:childTnLst>
+                          </p:cTn>
+                        </p:par>
+                      </p:childTnLst>
+                    </p:cTn>
+                  </p:par>
+                  <p:par>
+                    <p:cTn id="11" fill="hold">
+                      <p:stCondLst>
+                        <p:cond delay="indefinite"/>
+                      </p:stCondLst>
+                      <p:childTnLst>
+                        <p:par>
+                          <p:cTn id="12" fill="hold">
+                            <p:stCondLst>
+                              <p:cond delay="0"/>
+                            </p:stCondLst>
+                            <p:childTnLst>
+                              <p:par>
+                                <p:cTn id="13" presetID="1" presetClass="entr" presetSubtype="0" fill="hold" nodeType="clickEffect">
+                                  <p:stCondLst>
+                                    <p:cond delay="0"/>
+                                  </p:stCondLst>
+                                  <p:childTnLst>
+                                    <p:set>
+                                      <p:cBhvr>
+                                        <p:cTn id="14" dur="1" fill="hold">
+                                          <p:stCondLst>
+                                            <p:cond delay="0"/>
+                                          </p:stCondLst>
+                                        </p:cTn>
+                                        <p:tgtEl>
+                                          <p:spTgt spid="15"/>
+                                        </p:tgtEl>
+                                        <p:attrNameLst>
+                                          <p:attrName>style.visibility</p:attrName>
+                                        </p:attrNameLst>
+                                      </p:cBhvr>
+                                      <p:to>
+                                        <p:strVal val="visible"/>
+                                      </p:to>
+                                    </p:set>
+                                  </p:childTnLst>
+                                </p:cTn>
+                              </p:par>
+                            </p:childTnLst>
+                          </p:cTn>
+                        </p:par>
+                      </p:childTnLst>
+                    </p:cTn>
+                  </p:par>
+                </p:childTnLst>
+              </p:cTn>
+              <p:prevCondLst>
+                <p:cond evt="onPrev" delay="0">
+                  <p:tgtEl>
+                    <p:sldTgt/>
+                  </p:tgtEl>
+                </p:cond>
+              </p:prevCondLst>
+              <p:nextCondLst>
+                <p:cond evt="onNext" delay="0">
+                  <p:tgtEl>
+                    <p:sldTgt/>
+                  </p:tgtEl>
+                </p:cond>
+              </p:nextCondLst>
+            </p:seq>
+          </p:childTnLst>
+        </p:cTn>
+      </p:par>
+    </p:tnLst>
+  </p:timing>
 </p:sld>
 </file>
 
@@ -10805,7 +14077,7 @@
       </p:grpSpPr>
       <p:pic>
         <p:nvPicPr>
-          <p:cNvPr id="2" name="Object 1" descr="/tmp/beautiful_ai_exports/c2a11cba-5d5f-47e8-85c3-714651ce0069.jpg"/>
+          <p:cNvPr id="2" name="Object 1" descr="/tmp/beautiful_ai_exports/094e8761-2dbc-4859-834a-c42af4c6d045.jpg"/>
           <p:cNvPicPr>
             <a:picLocks noChangeAspect="1"/>
           </p:cNvPicPr>
@@ -11592,20 +14864,20 @@
 </file>
 
 <file path=customXml/item1.xml><?xml version="1.0" encoding="utf-8"?>
-<p:properties xmlns:p="http://schemas.microsoft.com/office/2006/metadata/properties" xmlns:xsi="http://www.w3.org/2001/XMLSchema-instance" xmlns:pc="http://schemas.microsoft.com/office/infopath/2007/PartnerControls">
-  <documentManagement>
-    <MediaServiceKeyPoints xmlns="71af3243-3dd4-4a8d-8c0d-dd76da1f02a5" xsi:nil="true"/>
-  </documentManagement>
-</p:properties>
-</file>
-
-<file path=customXml/item2.xml><?xml version="1.0" encoding="utf-8"?>
 <?mso-contentType ?>
 <FormTemplates xmlns="http://schemas.microsoft.com/sharepoint/v3/contenttype/forms">
   <Display>DocumentLibraryForm</Display>
   <Edit>DocumentLibraryForm</Edit>
   <New>DocumentLibraryForm</New>
 </FormTemplates>
+</file>
+
+<file path=customXml/item2.xml><?xml version="1.0" encoding="utf-8"?>
+<p:properties xmlns:p="http://schemas.microsoft.com/office/2006/metadata/properties" xmlns:xsi="http://www.w3.org/2001/XMLSchema-instance" xmlns:pc="http://schemas.microsoft.com/office/infopath/2007/PartnerControls">
+  <documentManagement>
+    <MediaServiceKeyPoints xmlns="71af3243-3dd4-4a8d-8c0d-dd76da1f02a5" xsi:nil="true"/>
+  </documentManagement>
+</p:properties>
 </file>
 
 <file path=customXml/item3.xml><?xml version="1.0" encoding="utf-8"?>
@@ -11820,6 +15092,14 @@
 </file>
 
 <file path=customXml/itemProps1.xml><?xml version="1.0" encoding="utf-8"?>
+<ds:datastoreItem xmlns:ds="http://schemas.openxmlformats.org/officeDocument/2006/customXml" ds:itemID="{A68F36FF-D6F8-4F25-B1D6-7893F2294B63}">
+  <ds:schemaRefs>
+    <ds:schemaRef ds:uri="http://schemas.microsoft.com/sharepoint/v3/contenttype/forms"/>
+  </ds:schemaRefs>
+</ds:datastoreItem>
+</file>
+
+<file path=customXml/itemProps2.xml><?xml version="1.0" encoding="utf-8"?>
 <ds:datastoreItem xmlns:ds="http://schemas.openxmlformats.org/officeDocument/2006/customXml" ds:itemID="{7BED6A94-6CEC-4690-B5D0-3E831BCC769C}">
   <ds:schemaRefs>
     <ds:schemaRef ds:uri="http://purl.org/dc/terms/"/>
@@ -11832,14 +15112,6 @@
     <ds:schemaRef ds:uri="http://schemas.microsoft.com/office/2006/metadata/properties"/>
     <ds:schemaRef ds:uri="71af3243-3dd4-4a8d-8c0d-dd76da1f02a5"/>
     <ds:schemaRef ds:uri="http://www.w3.org/XML/1998/namespace"/>
-  </ds:schemaRefs>
-</ds:datastoreItem>
-</file>
-
-<file path=customXml/itemProps2.xml><?xml version="1.0" encoding="utf-8"?>
-<ds:datastoreItem xmlns:ds="http://schemas.openxmlformats.org/officeDocument/2006/customXml" ds:itemID="{A68F36FF-D6F8-4F25-B1D6-7893F2294B63}">
-  <ds:schemaRefs>
-    <ds:schemaRef ds:uri="http://schemas.microsoft.com/sharepoint/v3/contenttype/forms"/>
   </ds:schemaRefs>
 </ds:datastoreItem>
 </file>
